--- a/slides/L8_Equivalence Partitioning .pptx
+++ b/slides/L8_Equivalence Partitioning .pptx
@@ -5,26 +5,25 @@
     <p:sldMasterId id="2147483648" r:id="rId1"/>
   </p:sldMasterIdLst>
   <p:sldIdLst>
-    <p:sldId id="256" r:id="rId3"/>
-    <p:sldId id="257" r:id="rId4"/>
-    <p:sldId id="259" r:id="rId5"/>
-    <p:sldId id="258" r:id="rId6"/>
-    <p:sldId id="260" r:id="rId7"/>
-    <p:sldId id="261" r:id="rId8"/>
-    <p:sldId id="262" r:id="rId9"/>
-    <p:sldId id="263" r:id="rId10"/>
-    <p:sldId id="264" r:id="rId11"/>
-    <p:sldId id="265" r:id="rId12"/>
-    <p:sldId id="266" r:id="rId13"/>
-    <p:sldId id="267" r:id="rId14"/>
-    <p:sldId id="268" r:id="rId15"/>
-    <p:sldId id="269" r:id="rId16"/>
-    <p:sldId id="270" r:id="rId17"/>
-    <p:sldId id="271" r:id="rId18"/>
-    <p:sldId id="272" r:id="rId19"/>
-    <p:sldId id="273" r:id="rId20"/>
-    <p:sldId id="274" r:id="rId21"/>
-    <p:sldId id="275" r:id="rId22"/>
+    <p:sldId id="256" r:id="rId2"/>
+    <p:sldId id="257" r:id="rId3"/>
+    <p:sldId id="259" r:id="rId4"/>
+    <p:sldId id="258" r:id="rId5"/>
+    <p:sldId id="260" r:id="rId6"/>
+    <p:sldId id="261" r:id="rId7"/>
+    <p:sldId id="262" r:id="rId8"/>
+    <p:sldId id="263" r:id="rId9"/>
+    <p:sldId id="264" r:id="rId10"/>
+    <p:sldId id="265" r:id="rId11"/>
+    <p:sldId id="266" r:id="rId12"/>
+    <p:sldId id="267" r:id="rId13"/>
+    <p:sldId id="269" r:id="rId14"/>
+    <p:sldId id="270" r:id="rId15"/>
+    <p:sldId id="271" r:id="rId16"/>
+    <p:sldId id="272" r:id="rId17"/>
+    <p:sldId id="273" r:id="rId18"/>
+    <p:sldId id="274" r:id="rId19"/>
+    <p:sldId id="275" r:id="rId20"/>
   </p:sldIdLst>
   <p:sldSz cx="12192000" cy="6858000"/>
   <p:notesSz cx="6858000" cy="9144000"/>
@@ -123,6 +122,11 @@
       </a:defRPr>
     </a:lvl9pPr>
   </p:defaultTextStyle>
+  <p:extLst>
+    <p:ext uri="{EFAFB233-063F-42B5-8137-9DF3F51BA10A}">
+      <p15:sldGuideLst xmlns:p15="http://schemas.microsoft.com/office/powerpoint/2012/main"/>
+    </p:ext>
+  </p:extLst>
 </p:presentation>
 </file>
 
@@ -168,10 +172,9 @@
           </a:lstStyle>
           <a:p>
             <a:r>
-              <a:rPr lang="en-US" smtClean="0"/>
+              <a:rPr lang="en-US"/>
               <a:t>Click to edit Master title style</a:t>
             </a:r>
-            <a:endParaRPr lang="en-US"/>
           </a:p>
         </p:txBody>
       </p:sp>
@@ -233,10 +236,9 @@
           </a:lstStyle>
           <a:p>
             <a:r>
-              <a:rPr lang="en-US" smtClean="0"/>
+              <a:rPr lang="en-US"/>
               <a:t>Click to edit Master subtitle style</a:t>
             </a:r>
-            <a:endParaRPr lang="en-US"/>
           </a:p>
         </p:txBody>
       </p:sp>
@@ -257,6 +259,7 @@
           <a:p>
             <a:fld id="{63A1C593-65D0-4073-BCC9-577B9352EA97}" type="datetimeFigureOut">
               <a:rPr lang="en-US" smtClean="0"/>
+              <a:t>3/15/2024</a:t>
             </a:fld>
             <a:endParaRPr lang="en-US"/>
           </a:p>
@@ -298,6 +301,7 @@
           <a:p>
             <a:fld id="{9B618960-8005-486C-9A75-10CB2AAC16F9}" type="slidenum">
               <a:rPr lang="en-US" smtClean="0"/>
+              <a:t>‹#›</a:t>
             </a:fld>
             <a:endParaRPr lang="en-US"/>
           </a:p>
@@ -344,10 +348,9 @@
           <a:lstStyle/>
           <a:p>
             <a:r>
-              <a:rPr lang="en-US" smtClean="0"/>
+              <a:rPr lang="en-US"/>
               <a:t>Click to edit Master title style</a:t>
             </a:r>
-            <a:endParaRPr lang="en-US"/>
           </a:p>
         </p:txBody>
       </p:sp>
@@ -368,42 +371,37 @@
           <a:p>
             <a:pPr lvl="0"/>
             <a:r>
-              <a:rPr lang="en-US" smtClean="0"/>
+              <a:rPr lang="en-US"/>
               <a:t>Click to edit Master text styles</a:t>
             </a:r>
-            <a:endParaRPr lang="en-US" smtClean="0"/>
           </a:p>
           <a:p>
             <a:pPr lvl="1"/>
             <a:r>
-              <a:rPr lang="en-US" smtClean="0"/>
+              <a:rPr lang="en-US"/>
               <a:t>Second level</a:t>
             </a:r>
-            <a:endParaRPr lang="en-US" smtClean="0"/>
           </a:p>
           <a:p>
             <a:pPr lvl="2"/>
             <a:r>
-              <a:rPr lang="en-US" smtClean="0"/>
+              <a:rPr lang="en-US"/>
               <a:t>Third level</a:t>
             </a:r>
-            <a:endParaRPr lang="en-US" smtClean="0"/>
           </a:p>
           <a:p>
             <a:pPr lvl="3"/>
             <a:r>
-              <a:rPr lang="en-US" smtClean="0"/>
+              <a:rPr lang="en-US"/>
               <a:t>Fourth level</a:t>
             </a:r>
-            <a:endParaRPr lang="en-US" smtClean="0"/>
           </a:p>
           <a:p>
             <a:pPr lvl="4"/>
             <a:r>
-              <a:rPr lang="en-US" smtClean="0"/>
+              <a:rPr lang="en-US"/>
               <a:t>Fifth level</a:t>
             </a:r>
-            <a:endParaRPr lang="en-US"/>
           </a:p>
         </p:txBody>
       </p:sp>
@@ -424,6 +422,7 @@
           <a:p>
             <a:fld id="{63A1C593-65D0-4073-BCC9-577B9352EA97}" type="datetimeFigureOut">
               <a:rPr lang="en-US" smtClean="0"/>
+              <a:t>3/15/2024</a:t>
             </a:fld>
             <a:endParaRPr lang="en-US"/>
           </a:p>
@@ -465,6 +464,7 @@
           <a:p>
             <a:fld id="{9B618960-8005-486C-9A75-10CB2AAC16F9}" type="slidenum">
               <a:rPr lang="en-US" smtClean="0"/>
+              <a:t>‹#›</a:t>
             </a:fld>
             <a:endParaRPr lang="en-US"/>
           </a:p>
@@ -516,10 +516,9 @@
           <a:lstStyle/>
           <a:p>
             <a:r>
-              <a:rPr lang="en-US" smtClean="0"/>
+              <a:rPr lang="en-US"/>
               <a:t>Click to edit Master title style</a:t>
             </a:r>
-            <a:endParaRPr lang="en-US"/>
           </a:p>
         </p:txBody>
       </p:sp>
@@ -545,42 +544,37 @@
           <a:p>
             <a:pPr lvl="0"/>
             <a:r>
-              <a:rPr lang="en-US" smtClean="0"/>
+              <a:rPr lang="en-US"/>
               <a:t>Click to edit Master text styles</a:t>
             </a:r>
-            <a:endParaRPr lang="en-US" smtClean="0"/>
           </a:p>
           <a:p>
             <a:pPr lvl="1"/>
             <a:r>
-              <a:rPr lang="en-US" smtClean="0"/>
+              <a:rPr lang="en-US"/>
               <a:t>Second level</a:t>
             </a:r>
-            <a:endParaRPr lang="en-US" smtClean="0"/>
           </a:p>
           <a:p>
             <a:pPr lvl="2"/>
             <a:r>
-              <a:rPr lang="en-US" smtClean="0"/>
+              <a:rPr lang="en-US"/>
               <a:t>Third level</a:t>
             </a:r>
-            <a:endParaRPr lang="en-US" smtClean="0"/>
           </a:p>
           <a:p>
             <a:pPr lvl="3"/>
             <a:r>
-              <a:rPr lang="en-US" smtClean="0"/>
+              <a:rPr lang="en-US"/>
               <a:t>Fourth level</a:t>
             </a:r>
-            <a:endParaRPr lang="en-US" smtClean="0"/>
           </a:p>
           <a:p>
             <a:pPr lvl="4"/>
             <a:r>
-              <a:rPr lang="en-US" smtClean="0"/>
+              <a:rPr lang="en-US"/>
               <a:t>Fifth level</a:t>
             </a:r>
-            <a:endParaRPr lang="en-US"/>
           </a:p>
         </p:txBody>
       </p:sp>
@@ -601,6 +595,7 @@
           <a:p>
             <a:fld id="{63A1C593-65D0-4073-BCC9-577B9352EA97}" type="datetimeFigureOut">
               <a:rPr lang="en-US" smtClean="0"/>
+              <a:t>3/15/2024</a:t>
             </a:fld>
             <a:endParaRPr lang="en-US"/>
           </a:p>
@@ -642,6 +637,7 @@
           <a:p>
             <a:fld id="{9B618960-8005-486C-9A75-10CB2AAC16F9}" type="slidenum">
               <a:rPr lang="en-US" smtClean="0"/>
+              <a:t>‹#›</a:t>
             </a:fld>
             <a:endParaRPr lang="en-US"/>
           </a:p>
@@ -688,10 +684,9 @@
           <a:lstStyle/>
           <a:p>
             <a:r>
-              <a:rPr lang="en-US" smtClean="0"/>
+              <a:rPr lang="en-US"/>
               <a:t>Click to edit Master title style</a:t>
             </a:r>
-            <a:endParaRPr lang="en-US"/>
           </a:p>
         </p:txBody>
       </p:sp>
@@ -712,42 +707,37 @@
           <a:p>
             <a:pPr lvl="0"/>
             <a:r>
-              <a:rPr lang="en-US" smtClean="0"/>
+              <a:rPr lang="en-US"/>
               <a:t>Click to edit Master text styles</a:t>
             </a:r>
-            <a:endParaRPr lang="en-US" smtClean="0"/>
           </a:p>
           <a:p>
             <a:pPr lvl="1"/>
             <a:r>
-              <a:rPr lang="en-US" smtClean="0"/>
+              <a:rPr lang="en-US"/>
               <a:t>Second level</a:t>
             </a:r>
-            <a:endParaRPr lang="en-US" smtClean="0"/>
           </a:p>
           <a:p>
             <a:pPr lvl="2"/>
             <a:r>
-              <a:rPr lang="en-US" smtClean="0"/>
+              <a:rPr lang="en-US"/>
               <a:t>Third level</a:t>
             </a:r>
-            <a:endParaRPr lang="en-US" smtClean="0"/>
           </a:p>
           <a:p>
             <a:pPr lvl="3"/>
             <a:r>
-              <a:rPr lang="en-US" smtClean="0"/>
+              <a:rPr lang="en-US"/>
               <a:t>Fourth level</a:t>
             </a:r>
-            <a:endParaRPr lang="en-US" smtClean="0"/>
           </a:p>
           <a:p>
             <a:pPr lvl="4"/>
             <a:r>
-              <a:rPr lang="en-US" smtClean="0"/>
+              <a:rPr lang="en-US"/>
               <a:t>Fifth level</a:t>
             </a:r>
-            <a:endParaRPr lang="en-US"/>
           </a:p>
         </p:txBody>
       </p:sp>
@@ -768,6 +758,7 @@
           <a:p>
             <a:fld id="{63A1C593-65D0-4073-BCC9-577B9352EA97}" type="datetimeFigureOut">
               <a:rPr lang="en-US" smtClean="0"/>
+              <a:t>3/15/2024</a:t>
             </a:fld>
             <a:endParaRPr lang="en-US"/>
           </a:p>
@@ -809,6 +800,7 @@
           <a:p>
             <a:fld id="{9B618960-8005-486C-9A75-10CB2AAC16F9}" type="slidenum">
               <a:rPr lang="en-US" smtClean="0"/>
+              <a:t>‹#›</a:t>
             </a:fld>
             <a:endParaRPr lang="en-US"/>
           </a:p>
@@ -864,10 +856,9 @@
           </a:lstStyle>
           <a:p>
             <a:r>
-              <a:rPr lang="en-US" smtClean="0"/>
+              <a:rPr lang="en-US"/>
               <a:t>Click to edit Master title style</a:t>
             </a:r>
-            <a:endParaRPr lang="en-US"/>
           </a:p>
         </p:txBody>
       </p:sp>
@@ -984,10 +975,9 @@
           <a:p>
             <a:pPr lvl="0"/>
             <a:r>
-              <a:rPr lang="en-US" smtClean="0"/>
+              <a:rPr lang="en-US"/>
               <a:t>Click to edit Master text styles</a:t>
             </a:r>
-            <a:endParaRPr lang="en-US" smtClean="0"/>
           </a:p>
         </p:txBody>
       </p:sp>
@@ -1008,6 +998,7 @@
           <a:p>
             <a:fld id="{63A1C593-65D0-4073-BCC9-577B9352EA97}" type="datetimeFigureOut">
               <a:rPr lang="en-US" smtClean="0"/>
+              <a:t>3/15/2024</a:t>
             </a:fld>
             <a:endParaRPr lang="en-US"/>
           </a:p>
@@ -1049,6 +1040,7 @@
           <a:p>
             <a:fld id="{9B618960-8005-486C-9A75-10CB2AAC16F9}" type="slidenum">
               <a:rPr lang="en-US" smtClean="0"/>
+              <a:t>‹#›</a:t>
             </a:fld>
             <a:endParaRPr lang="en-US"/>
           </a:p>
@@ -1095,10 +1087,9 @@
           <a:lstStyle/>
           <a:p>
             <a:r>
-              <a:rPr lang="en-US" smtClean="0"/>
+              <a:rPr lang="en-US"/>
               <a:t>Click to edit Master title style</a:t>
             </a:r>
-            <a:endParaRPr lang="en-US"/>
           </a:p>
         </p:txBody>
       </p:sp>
@@ -1124,42 +1115,37 @@
           <a:p>
             <a:pPr lvl="0"/>
             <a:r>
-              <a:rPr lang="en-US" smtClean="0"/>
+              <a:rPr lang="en-US"/>
               <a:t>Click to edit Master text styles</a:t>
             </a:r>
-            <a:endParaRPr lang="en-US" smtClean="0"/>
           </a:p>
           <a:p>
             <a:pPr lvl="1"/>
             <a:r>
-              <a:rPr lang="en-US" smtClean="0"/>
+              <a:rPr lang="en-US"/>
               <a:t>Second level</a:t>
             </a:r>
-            <a:endParaRPr lang="en-US" smtClean="0"/>
           </a:p>
           <a:p>
             <a:pPr lvl="2"/>
             <a:r>
-              <a:rPr lang="en-US" smtClean="0"/>
+              <a:rPr lang="en-US"/>
               <a:t>Third level</a:t>
             </a:r>
-            <a:endParaRPr lang="en-US" smtClean="0"/>
           </a:p>
           <a:p>
             <a:pPr lvl="3"/>
             <a:r>
-              <a:rPr lang="en-US" smtClean="0"/>
+              <a:rPr lang="en-US"/>
               <a:t>Fourth level</a:t>
             </a:r>
-            <a:endParaRPr lang="en-US" smtClean="0"/>
           </a:p>
           <a:p>
             <a:pPr lvl="4"/>
             <a:r>
-              <a:rPr lang="en-US" smtClean="0"/>
+              <a:rPr lang="en-US"/>
               <a:t>Fifth level</a:t>
             </a:r>
-            <a:endParaRPr lang="en-US"/>
           </a:p>
         </p:txBody>
       </p:sp>
@@ -1185,42 +1171,37 @@
           <a:p>
             <a:pPr lvl="0"/>
             <a:r>
-              <a:rPr lang="en-US" smtClean="0"/>
+              <a:rPr lang="en-US"/>
               <a:t>Click to edit Master text styles</a:t>
             </a:r>
-            <a:endParaRPr lang="en-US" smtClean="0"/>
           </a:p>
           <a:p>
             <a:pPr lvl="1"/>
             <a:r>
-              <a:rPr lang="en-US" smtClean="0"/>
+              <a:rPr lang="en-US"/>
               <a:t>Second level</a:t>
             </a:r>
-            <a:endParaRPr lang="en-US" smtClean="0"/>
           </a:p>
           <a:p>
             <a:pPr lvl="2"/>
             <a:r>
-              <a:rPr lang="en-US" smtClean="0"/>
+              <a:rPr lang="en-US"/>
               <a:t>Third level</a:t>
             </a:r>
-            <a:endParaRPr lang="en-US" smtClean="0"/>
           </a:p>
           <a:p>
             <a:pPr lvl="3"/>
             <a:r>
-              <a:rPr lang="en-US" smtClean="0"/>
+              <a:rPr lang="en-US"/>
               <a:t>Fourth level</a:t>
             </a:r>
-            <a:endParaRPr lang="en-US" smtClean="0"/>
           </a:p>
           <a:p>
             <a:pPr lvl="4"/>
             <a:r>
-              <a:rPr lang="en-US" smtClean="0"/>
+              <a:rPr lang="en-US"/>
               <a:t>Fifth level</a:t>
             </a:r>
-            <a:endParaRPr lang="en-US"/>
           </a:p>
         </p:txBody>
       </p:sp>
@@ -1241,6 +1222,7 @@
           <a:p>
             <a:fld id="{63A1C593-65D0-4073-BCC9-577B9352EA97}" type="datetimeFigureOut">
               <a:rPr lang="en-US" smtClean="0"/>
+              <a:t>3/15/2024</a:t>
             </a:fld>
             <a:endParaRPr lang="en-US"/>
           </a:p>
@@ -1282,6 +1264,7 @@
           <a:p>
             <a:fld id="{9B618960-8005-486C-9A75-10CB2AAC16F9}" type="slidenum">
               <a:rPr lang="en-US" smtClean="0"/>
+              <a:t>‹#›</a:t>
             </a:fld>
             <a:endParaRPr lang="en-US"/>
           </a:p>
@@ -1333,10 +1316,9 @@
           <a:lstStyle/>
           <a:p>
             <a:r>
-              <a:rPr lang="en-US" smtClean="0"/>
+              <a:rPr lang="en-US"/>
               <a:t>Click to edit Master title style</a:t>
             </a:r>
-            <a:endParaRPr lang="en-US"/>
           </a:p>
         </p:txBody>
       </p:sp>
@@ -1399,10 +1381,9 @@
           <a:p>
             <a:pPr lvl="0"/>
             <a:r>
-              <a:rPr lang="en-US" smtClean="0"/>
+              <a:rPr lang="en-US"/>
               <a:t>Click to edit Master text styles</a:t>
             </a:r>
-            <a:endParaRPr lang="en-US" smtClean="0"/>
           </a:p>
         </p:txBody>
       </p:sp>
@@ -1428,42 +1409,37 @@
           <a:p>
             <a:pPr lvl="0"/>
             <a:r>
-              <a:rPr lang="en-US" smtClean="0"/>
+              <a:rPr lang="en-US"/>
               <a:t>Click to edit Master text styles</a:t>
             </a:r>
-            <a:endParaRPr lang="en-US" smtClean="0"/>
           </a:p>
           <a:p>
             <a:pPr lvl="1"/>
             <a:r>
-              <a:rPr lang="en-US" smtClean="0"/>
+              <a:rPr lang="en-US"/>
               <a:t>Second level</a:t>
             </a:r>
-            <a:endParaRPr lang="en-US" smtClean="0"/>
           </a:p>
           <a:p>
             <a:pPr lvl="2"/>
             <a:r>
-              <a:rPr lang="en-US" smtClean="0"/>
+              <a:rPr lang="en-US"/>
               <a:t>Third level</a:t>
             </a:r>
-            <a:endParaRPr lang="en-US" smtClean="0"/>
           </a:p>
           <a:p>
             <a:pPr lvl="3"/>
             <a:r>
-              <a:rPr lang="en-US" smtClean="0"/>
+              <a:rPr lang="en-US"/>
               <a:t>Fourth level</a:t>
             </a:r>
-            <a:endParaRPr lang="en-US" smtClean="0"/>
           </a:p>
           <a:p>
             <a:pPr lvl="4"/>
             <a:r>
-              <a:rPr lang="en-US" smtClean="0"/>
+              <a:rPr lang="en-US"/>
               <a:t>Fifth level</a:t>
             </a:r>
-            <a:endParaRPr lang="en-US"/>
           </a:p>
         </p:txBody>
       </p:sp>
@@ -1526,10 +1502,9 @@
           <a:p>
             <a:pPr lvl="0"/>
             <a:r>
-              <a:rPr lang="en-US" smtClean="0"/>
+              <a:rPr lang="en-US"/>
               <a:t>Click to edit Master text styles</a:t>
             </a:r>
-            <a:endParaRPr lang="en-US" smtClean="0"/>
           </a:p>
         </p:txBody>
       </p:sp>
@@ -1555,42 +1530,37 @@
           <a:p>
             <a:pPr lvl="0"/>
             <a:r>
-              <a:rPr lang="en-US" smtClean="0"/>
+              <a:rPr lang="en-US"/>
               <a:t>Click to edit Master text styles</a:t>
             </a:r>
-            <a:endParaRPr lang="en-US" smtClean="0"/>
           </a:p>
           <a:p>
             <a:pPr lvl="1"/>
             <a:r>
-              <a:rPr lang="en-US" smtClean="0"/>
+              <a:rPr lang="en-US"/>
               <a:t>Second level</a:t>
             </a:r>
-            <a:endParaRPr lang="en-US" smtClean="0"/>
           </a:p>
           <a:p>
             <a:pPr lvl="2"/>
             <a:r>
-              <a:rPr lang="en-US" smtClean="0"/>
+              <a:rPr lang="en-US"/>
               <a:t>Third level</a:t>
             </a:r>
-            <a:endParaRPr lang="en-US" smtClean="0"/>
           </a:p>
           <a:p>
             <a:pPr lvl="3"/>
             <a:r>
-              <a:rPr lang="en-US" smtClean="0"/>
+              <a:rPr lang="en-US"/>
               <a:t>Fourth level</a:t>
             </a:r>
-            <a:endParaRPr lang="en-US" smtClean="0"/>
           </a:p>
           <a:p>
             <a:pPr lvl="4"/>
             <a:r>
-              <a:rPr lang="en-US" smtClean="0"/>
+              <a:rPr lang="en-US"/>
               <a:t>Fifth level</a:t>
             </a:r>
-            <a:endParaRPr lang="en-US"/>
           </a:p>
         </p:txBody>
       </p:sp>
@@ -1611,6 +1581,7 @@
           <a:p>
             <a:fld id="{63A1C593-65D0-4073-BCC9-577B9352EA97}" type="datetimeFigureOut">
               <a:rPr lang="en-US" smtClean="0"/>
+              <a:t>3/15/2024</a:t>
             </a:fld>
             <a:endParaRPr lang="en-US"/>
           </a:p>
@@ -1652,6 +1623,7 @@
           <a:p>
             <a:fld id="{9B618960-8005-486C-9A75-10CB2AAC16F9}" type="slidenum">
               <a:rPr lang="en-US" smtClean="0"/>
+              <a:t>‹#›</a:t>
             </a:fld>
             <a:endParaRPr lang="en-US"/>
           </a:p>
@@ -1698,10 +1670,9 @@
           <a:lstStyle/>
           <a:p>
             <a:r>
-              <a:rPr lang="en-US" smtClean="0"/>
+              <a:rPr lang="en-US"/>
               <a:t>Click to edit Master title style</a:t>
             </a:r>
-            <a:endParaRPr lang="en-US"/>
           </a:p>
         </p:txBody>
       </p:sp>
@@ -1722,6 +1693,7 @@
           <a:p>
             <a:fld id="{63A1C593-65D0-4073-BCC9-577B9352EA97}" type="datetimeFigureOut">
               <a:rPr lang="en-US" smtClean="0"/>
+              <a:t>3/15/2024</a:t>
             </a:fld>
             <a:endParaRPr lang="en-US"/>
           </a:p>
@@ -1763,6 +1735,7 @@
           <a:p>
             <a:fld id="{9B618960-8005-486C-9A75-10CB2AAC16F9}" type="slidenum">
               <a:rPr lang="en-US" smtClean="0"/>
+              <a:t>‹#›</a:t>
             </a:fld>
             <a:endParaRPr lang="en-US"/>
           </a:p>
@@ -1810,6 +1783,7 @@
           <a:p>
             <a:fld id="{63A1C593-65D0-4073-BCC9-577B9352EA97}" type="datetimeFigureOut">
               <a:rPr lang="en-US" smtClean="0"/>
+              <a:t>3/15/2024</a:t>
             </a:fld>
             <a:endParaRPr lang="en-US"/>
           </a:p>
@@ -1851,6 +1825,7 @@
           <a:p>
             <a:fld id="{9B618960-8005-486C-9A75-10CB2AAC16F9}" type="slidenum">
               <a:rPr lang="en-US" smtClean="0"/>
+              <a:t>‹#›</a:t>
             </a:fld>
             <a:endParaRPr lang="en-US"/>
           </a:p>
@@ -1906,10 +1881,9 @@
           </a:lstStyle>
           <a:p>
             <a:r>
-              <a:rPr lang="en-US" smtClean="0"/>
+              <a:rPr lang="en-US"/>
               <a:t>Click to edit Master title style</a:t>
             </a:r>
-            <a:endParaRPr lang="en-US"/>
           </a:p>
         </p:txBody>
       </p:sp>
@@ -1963,42 +1937,37 @@
           <a:p>
             <a:pPr lvl="0"/>
             <a:r>
-              <a:rPr lang="en-US" smtClean="0"/>
+              <a:rPr lang="en-US"/>
               <a:t>Click to edit Master text styles</a:t>
             </a:r>
-            <a:endParaRPr lang="en-US" smtClean="0"/>
           </a:p>
           <a:p>
             <a:pPr lvl="1"/>
             <a:r>
-              <a:rPr lang="en-US" smtClean="0"/>
+              <a:rPr lang="en-US"/>
               <a:t>Second level</a:t>
             </a:r>
-            <a:endParaRPr lang="en-US" smtClean="0"/>
           </a:p>
           <a:p>
             <a:pPr lvl="2"/>
             <a:r>
-              <a:rPr lang="en-US" smtClean="0"/>
+              <a:rPr lang="en-US"/>
               <a:t>Third level</a:t>
             </a:r>
-            <a:endParaRPr lang="en-US" smtClean="0"/>
           </a:p>
           <a:p>
             <a:pPr lvl="3"/>
             <a:r>
-              <a:rPr lang="en-US" smtClean="0"/>
+              <a:rPr lang="en-US"/>
               <a:t>Fourth level</a:t>
             </a:r>
-            <a:endParaRPr lang="en-US" smtClean="0"/>
           </a:p>
           <a:p>
             <a:pPr lvl="4"/>
             <a:r>
-              <a:rPr lang="en-US" smtClean="0"/>
+              <a:rPr lang="en-US"/>
               <a:t>Fifth level</a:t>
             </a:r>
-            <a:endParaRPr lang="en-US"/>
           </a:p>
         </p:txBody>
       </p:sp>
@@ -2061,10 +2030,9 @@
           <a:p>
             <a:pPr lvl="0"/>
             <a:r>
-              <a:rPr lang="en-US" smtClean="0"/>
+              <a:rPr lang="en-US"/>
               <a:t>Click to edit Master text styles</a:t>
             </a:r>
-            <a:endParaRPr lang="en-US" smtClean="0"/>
           </a:p>
         </p:txBody>
       </p:sp>
@@ -2085,6 +2053,7 @@
           <a:p>
             <a:fld id="{63A1C593-65D0-4073-BCC9-577B9352EA97}" type="datetimeFigureOut">
               <a:rPr lang="en-US" smtClean="0"/>
+              <a:t>3/15/2024</a:t>
             </a:fld>
             <a:endParaRPr lang="en-US"/>
           </a:p>
@@ -2126,6 +2095,7 @@
           <a:p>
             <a:fld id="{9B618960-8005-486C-9A75-10CB2AAC16F9}" type="slidenum">
               <a:rPr lang="en-US" smtClean="0"/>
+              <a:t>‹#›</a:t>
             </a:fld>
             <a:endParaRPr lang="en-US"/>
           </a:p>
@@ -2181,10 +2151,9 @@
           </a:lstStyle>
           <a:p>
             <a:r>
-              <a:rPr lang="en-US" smtClean="0"/>
+              <a:rPr lang="en-US"/>
               <a:t>Click to edit Master title style</a:t>
             </a:r>
-            <a:endParaRPr lang="en-US"/>
           </a:p>
         </p:txBody>
       </p:sp>
@@ -2308,10 +2277,9 @@
           <a:p>
             <a:pPr lvl="0"/>
             <a:r>
-              <a:rPr lang="en-US" smtClean="0"/>
+              <a:rPr lang="en-US"/>
               <a:t>Click to edit Master text styles</a:t>
             </a:r>
-            <a:endParaRPr lang="en-US" smtClean="0"/>
           </a:p>
         </p:txBody>
       </p:sp>
@@ -2332,6 +2300,7 @@
           <a:p>
             <a:fld id="{63A1C593-65D0-4073-BCC9-577B9352EA97}" type="datetimeFigureOut">
               <a:rPr lang="en-US" smtClean="0"/>
+              <a:t>3/15/2024</a:t>
             </a:fld>
             <a:endParaRPr lang="en-US"/>
           </a:p>
@@ -2373,6 +2342,7 @@
           <a:p>
             <a:fld id="{9B618960-8005-486C-9A75-10CB2AAC16F9}" type="slidenum">
               <a:rPr lang="en-US" smtClean="0"/>
+              <a:t>‹#›</a:t>
             </a:fld>
             <a:endParaRPr lang="en-US"/>
           </a:p>
@@ -2434,10 +2404,9 @@
           <a:lstStyle/>
           <a:p>
             <a:r>
-              <a:rPr lang="en-US" smtClean="0"/>
+              <a:rPr lang="en-US"/>
               <a:t>Click to edit Master title style</a:t>
             </a:r>
-            <a:endParaRPr lang="en-US"/>
           </a:p>
         </p:txBody>
       </p:sp>
@@ -2468,42 +2437,37 @@
           <a:p>
             <a:pPr lvl="0"/>
             <a:r>
-              <a:rPr lang="en-US" smtClean="0"/>
+              <a:rPr lang="en-US"/>
               <a:t>Click to edit Master text styles</a:t>
             </a:r>
-            <a:endParaRPr lang="en-US" smtClean="0"/>
           </a:p>
           <a:p>
             <a:pPr lvl="1"/>
             <a:r>
-              <a:rPr lang="en-US" smtClean="0"/>
+              <a:rPr lang="en-US"/>
               <a:t>Second level</a:t>
             </a:r>
-            <a:endParaRPr lang="en-US" smtClean="0"/>
           </a:p>
           <a:p>
             <a:pPr lvl="2"/>
             <a:r>
-              <a:rPr lang="en-US" smtClean="0"/>
+              <a:rPr lang="en-US"/>
               <a:t>Third level</a:t>
             </a:r>
-            <a:endParaRPr lang="en-US" smtClean="0"/>
           </a:p>
           <a:p>
             <a:pPr lvl="3"/>
             <a:r>
-              <a:rPr lang="en-US" smtClean="0"/>
+              <a:rPr lang="en-US"/>
               <a:t>Fourth level</a:t>
             </a:r>
-            <a:endParaRPr lang="en-US" smtClean="0"/>
           </a:p>
           <a:p>
             <a:pPr lvl="4"/>
             <a:r>
-              <a:rPr lang="en-US" smtClean="0"/>
+              <a:rPr lang="en-US"/>
               <a:t>Fifth level</a:t>
             </a:r>
-            <a:endParaRPr lang="en-US"/>
           </a:p>
         </p:txBody>
       </p:sp>
@@ -2542,6 +2506,7 @@
           <a:p>
             <a:fld id="{63A1C593-65D0-4073-BCC9-577B9352EA97}" type="datetimeFigureOut">
               <a:rPr lang="en-US" smtClean="0"/>
+              <a:t>3/15/2024</a:t>
             </a:fld>
             <a:endParaRPr lang="en-US"/>
           </a:p>
@@ -2619,6 +2584,7 @@
           <a:p>
             <a:fld id="{9B618960-8005-486C-9A75-10CB2AAC16F9}" type="slidenum">
               <a:rPr lang="en-US" smtClean="0"/>
+              <a:t>‹#›</a:t>
             </a:fld>
             <a:endParaRPr lang="en-US"/>
           </a:p>
@@ -2972,13 +2938,6 @@
               </a:rPr>
               <a:t>Equivalent Partitioning</a:t>
             </a:r>
-            <a:endParaRPr lang="en-US" b="1" dirty="0">
-              <a:solidFill>
-                <a:schemeClr val="accent1">
-                  <a:lumMod val="75000"/>
-                </a:schemeClr>
-              </a:solidFill>
-            </a:endParaRPr>
           </a:p>
         </p:txBody>
       </p:sp>
@@ -3001,14 +2960,12 @@
               <a:rPr lang="en-US"/>
               <a:t>Prepared by Chala Urgessa</a:t>
             </a:r>
-            <a:endParaRPr lang="en-US"/>
           </a:p>
           <a:p>
             <a:r>
               <a:rPr lang="en-US"/>
               <a:t>naurgessa@gmail.com</a:t>
             </a:r>
-            <a:endParaRPr lang="en-US"/>
           </a:p>
         </p:txBody>
       </p:sp>
@@ -3029,7 +2986,14 @@
         <p:cNvGrpSpPr/>
         <p:nvPr/>
       </p:nvGrpSpPr>
-      <p:grpSpPr/>
+      <p:grpSpPr>
+        <a:xfrm>
+          <a:off x="0" y="0"/>
+          <a:ext cx="0" cy="0"/>
+          <a:chOff x="0" y="0"/>
+          <a:chExt cx="0" cy="0"/>
+        </a:xfrm>
+      </p:grpSpPr>
       <p:sp>
         <p:nvSpPr>
           <p:cNvPr id="2" name="Title 1"/>
@@ -3043,12 +3007,17 @@
         <p:spPr/>
         <p:txBody>
           <a:bodyPr/>
-          <a:p>
-            <a:r>
-              <a:rPr lang="en-US"/>
-              <a:t>Cont ...</a:t>
-            </a:r>
-            <a:endParaRPr lang="en-US"/>
+          <a:lstStyle/>
+          <a:p>
+            <a:pPr algn="ctr"/>
+            <a:r>
+              <a:rPr lang="en-US" b="1" dirty="0" err="1"/>
+              <a:t>Cont</a:t>
+            </a:r>
+            <a:r>
+              <a:rPr lang="en-US" b="1" dirty="0"/>
+              <a:t> ...</a:t>
+            </a:r>
           </a:p>
         </p:txBody>
       </p:sp>
@@ -3056,14 +3025,14 @@
         <p:nvPicPr>
           <p:cNvPr id="5" name="Content Placeholder 4" descr="Screenshot 2024-03-04 at 11.04.33 in the morning"/>
           <p:cNvPicPr>
-            <a:picLocks noChangeAspect="1"/>
+            <a:picLocks noGrp="1" noChangeAspect="1"/>
           </p:cNvPicPr>
           <p:nvPr>
             <p:ph idx="1"/>
           </p:nvPr>
         </p:nvPicPr>
         <p:blipFill>
-          <a:blip r:embed="rId1"/>
+          <a:blip r:embed="rId2"/>
           <a:stretch>
             <a:fillRect/>
           </a:stretch>
@@ -3098,6 +3067,7 @@
           <a:bodyPr wrap="square" rtlCol="0" anchor="t">
             <a:spAutoFit/>
           </a:bodyPr>
+          <a:lstStyle/>
           <a:p>
             <a:r>
               <a:rPr lang="en-US"/>
@@ -3147,7 +3117,6 @@
               <a:rPr lang="en-US"/>
               <a:t> for this problem.</a:t>
             </a:r>
-            <a:endParaRPr lang="en-US"/>
           </a:p>
         </p:txBody>
       </p:sp>
@@ -3168,7 +3137,14 @@
         <p:cNvGrpSpPr/>
         <p:nvPr/>
       </p:nvGrpSpPr>
-      <p:grpSpPr/>
+      <p:grpSpPr>
+        <a:xfrm>
+          <a:off x="0" y="0"/>
+          <a:ext cx="0" cy="0"/>
+          <a:chOff x="0" y="0"/>
+          <a:chExt cx="0" cy="0"/>
+        </a:xfrm>
+      </p:grpSpPr>
       <p:sp>
         <p:nvSpPr>
           <p:cNvPr id="2" name="Title 1"/>
@@ -3182,37 +3158,56 @@
         <p:spPr/>
         <p:txBody>
           <a:bodyPr/>
-          <a:p>
-            <a:endParaRPr lang="en-US"/>
-          </a:p>
-        </p:txBody>
-      </p:sp>
-      <p:pic>
-        <p:nvPicPr>
-          <p:cNvPr id="5" name="Content Placeholder 4" descr="Screenshot 2024-03-05 at 8.05.32 in the morning"/>
-          <p:cNvPicPr>
-            <a:picLocks noChangeAspect="1"/>
-          </p:cNvPicPr>
+          <a:lstStyle/>
+          <a:p>
+            <a:pPr algn="ctr"/>
+            <a:r>
+              <a:rPr lang="en-US" b="1" dirty="0"/>
+              <a:t>Implementation</a:t>
+            </a:r>
+          </a:p>
+        </p:txBody>
+      </p:sp>
+      <p:sp>
+        <p:nvSpPr>
+          <p:cNvPr id="4" name="Content Placeholder 3">
+            <a:extLst>
+              <a:ext uri="{FF2B5EF4-FFF2-40B4-BE49-F238E27FC236}">
+                <a16:creationId xmlns:a16="http://schemas.microsoft.com/office/drawing/2014/main" id="{564C2501-B5B6-88B5-2B25-BCBBC1C516C3}"/>
+              </a:ext>
+            </a:extLst>
+          </p:cNvPr>
+          <p:cNvSpPr>
+            <a:spLocks noGrp="1"/>
+          </p:cNvSpPr>
           <p:nvPr>
             <p:ph idx="1"/>
           </p:nvPr>
-        </p:nvPicPr>
-        <p:blipFill>
-          <a:blip r:embed="rId1"/>
-          <a:stretch>
-            <a:fillRect/>
-          </a:stretch>
-        </p:blipFill>
-        <p:spPr>
-          <a:xfrm>
-            <a:off x="2359660" y="-635"/>
-            <a:ext cx="7513320" cy="6858635"/>
-          </a:xfrm>
-          <a:prstGeom prst="rect">
-            <a:avLst/>
-          </a:prstGeom>
-        </p:spPr>
-      </p:pic>
+        </p:nvSpPr>
+        <p:spPr/>
+        <p:txBody>
+          <a:bodyPr/>
+          <a:lstStyle/>
+          <a:p>
+            <a:r>
+              <a:rPr lang="en-US" dirty="0" err="1"/>
+              <a:t>Github</a:t>
+            </a:r>
+            <a:r>
+              <a:rPr lang="en-US" dirty="0"/>
+              <a:t> (</a:t>
+            </a:r>
+            <a:r>
+              <a:rPr lang="en-US" dirty="0" err="1"/>
+              <a:t>black_box_equivalence_partitioning_quadratic</a:t>
+            </a:r>
+            <a:r>
+              <a:rPr lang="en-US" dirty="0"/>
+              <a:t>)</a:t>
+            </a:r>
+          </a:p>
+        </p:txBody>
+      </p:sp>
     </p:spTree>
   </p:cSld>
   <p:clrMapOvr>
@@ -3230,7 +3225,14 @@
         <p:cNvGrpSpPr/>
         <p:nvPr/>
       </p:nvGrpSpPr>
-      <p:grpSpPr/>
+      <p:grpSpPr>
+        <a:xfrm>
+          <a:off x="0" y="0"/>
+          <a:ext cx="0" cy="0"/>
+          <a:chOff x="0" y="0"/>
+          <a:chExt cx="0" cy="0"/>
+        </a:xfrm>
+      </p:grpSpPr>
       <p:sp>
         <p:nvSpPr>
           <p:cNvPr id="2" name="Title 1"/>
@@ -3244,8 +3246,13 @@
         <p:spPr/>
         <p:txBody>
           <a:bodyPr/>
-          <a:p>
-            <a:endParaRPr lang="en-US"/>
+          <a:lstStyle/>
+          <a:p>
+            <a:pPr algn="ctr"/>
+            <a:r>
+              <a:rPr lang="en-US" b="1" dirty="0"/>
+              <a:t>Setting up JUnit</a:t>
+            </a:r>
           </a:p>
         </p:txBody>
       </p:sp>
@@ -3262,6 +3269,7 @@
         <p:spPr/>
         <p:txBody>
           <a:bodyPr/>
+          <a:lstStyle/>
           <a:p>
             <a:pPr marL="0" indent="0">
               <a:buNone/>
@@ -3280,7 +3288,6 @@
               <a:rPr lang="en-US" sz="2000"/>
               <a:t>First, ensure you have JUnit 5 added to your project's dependencies. If you're using Maven, add the following dependency to your pom.xml:</a:t>
             </a:r>
-            <a:endParaRPr lang="en-US" sz="2000"/>
           </a:p>
           <a:p>
             <a:pPr marL="0" indent="0">
@@ -3290,7 +3297,6 @@
               <a:rPr lang="en-US" sz="2000"/>
               <a:t>&lt;dependency&gt;</a:t>
             </a:r>
-            <a:endParaRPr lang="en-US" sz="2000"/>
           </a:p>
           <a:p>
             <a:pPr marL="0" indent="0">
@@ -3300,7 +3306,6 @@
               <a:rPr lang="en-US" sz="2000"/>
               <a:t>    &lt;groupId&gt;org.junit.jupiter&lt;/groupId&gt;</a:t>
             </a:r>
-            <a:endParaRPr lang="en-US" sz="2000"/>
           </a:p>
           <a:p>
             <a:pPr marL="0" indent="0">
@@ -3310,7 +3315,6 @@
               <a:rPr lang="en-US" sz="2000"/>
               <a:t>    &lt;artifactId&gt;junit-jupiter&lt;/artifactId&gt;</a:t>
             </a:r>
-            <a:endParaRPr lang="en-US" sz="2000"/>
           </a:p>
           <a:p>
             <a:pPr marL="0" indent="0">
@@ -3320,7 +3324,6 @@
               <a:rPr lang="en-US" sz="2000"/>
               <a:t>    &lt;version&gt;5.7.0&lt;/version&gt;</a:t>
             </a:r>
-            <a:endParaRPr lang="en-US" sz="2000"/>
           </a:p>
           <a:p>
             <a:pPr marL="0" indent="0">
@@ -3330,7 +3333,6 @@
               <a:rPr lang="en-US" sz="2000"/>
               <a:t>    &lt;scope&gt;test&lt;/scope&gt;</a:t>
             </a:r>
-            <a:endParaRPr lang="en-US" sz="2000"/>
           </a:p>
           <a:p>
             <a:pPr marL="0" indent="0">
@@ -3340,7 +3342,6 @@
               <a:rPr lang="en-US" sz="2000"/>
               <a:t>&lt;/dependency&gt;</a:t>
             </a:r>
-            <a:endParaRPr lang="en-US" sz="2000"/>
           </a:p>
         </p:txBody>
       </p:sp>
@@ -3361,7 +3362,14 @@
         <p:cNvGrpSpPr/>
         <p:nvPr/>
       </p:nvGrpSpPr>
-      <p:grpSpPr/>
+      <p:grpSpPr>
+        <a:xfrm>
+          <a:off x="0" y="0"/>
+          <a:ext cx="0" cy="0"/>
+          <a:chOff x="0" y="0"/>
+          <a:chExt cx="0" cy="0"/>
+        </a:xfrm>
+      </p:grpSpPr>
       <p:sp>
         <p:nvSpPr>
           <p:cNvPr id="2" name="Title 1"/>
@@ -3375,31 +3383,109 @@
         <p:spPr/>
         <p:txBody>
           <a:bodyPr/>
-          <a:p>
-            <a:endParaRPr lang="en-US"/>
+          <a:lstStyle/>
+          <a:p>
+            <a:pPr algn="ctr"/>
+            <a:r>
+              <a:rPr lang="en-US" b="1" dirty="0"/>
+              <a:t>Example 3.2. Class Activity</a:t>
+            </a:r>
+          </a:p>
+        </p:txBody>
+      </p:sp>
+      <p:sp>
+        <p:nvSpPr>
+          <p:cNvPr id="3" name="Content Placeholder 2"/>
+          <p:cNvSpPr>
+            <a:spLocks noGrp="1"/>
+          </p:cNvSpPr>
+          <p:nvPr>
+            <p:ph idx="1"/>
+          </p:nvPr>
+        </p:nvSpPr>
+        <p:spPr>
+          <a:xfrm>
+            <a:off x="990599" y="1447800"/>
+            <a:ext cx="10117667" cy="4927600"/>
+          </a:xfrm>
+        </p:spPr>
+        <p:txBody>
+          <a:bodyPr/>
+          <a:lstStyle/>
+          <a:p>
+            <a:pPr marL="0" indent="0">
+              <a:buNone/>
+            </a:pPr>
+            <a:r>
+              <a:rPr lang="en-US" sz="2400" dirty="0"/>
+              <a:t>Let us consider an example of grading the students in an academic institution. The grading is done according to the following rules:</a:t>
+            </a:r>
+          </a:p>
+          <a:p>
+            <a:pPr marL="0" indent="0">
+              <a:buNone/>
+            </a:pPr>
+            <a:endParaRPr lang="en-US" sz="2400" dirty="0"/>
+          </a:p>
+          <a:p>
+            <a:pPr marL="0" indent="0">
+              <a:buNone/>
+            </a:pPr>
+            <a:endParaRPr lang="en-US" sz="2400" dirty="0"/>
+          </a:p>
+          <a:p>
+            <a:pPr marL="0" indent="0">
+              <a:buNone/>
+            </a:pPr>
+            <a:endParaRPr lang="en-US" sz="2400" dirty="0"/>
+          </a:p>
+          <a:p>
+            <a:pPr marL="0" indent="0">
+              <a:buNone/>
+            </a:pPr>
+            <a:endParaRPr lang="en-US" sz="2400" dirty="0"/>
+          </a:p>
+          <a:p>
+            <a:pPr marL="0" indent="0">
+              <a:buNone/>
+            </a:pPr>
+            <a:endParaRPr lang="en-US" sz="2400" dirty="0"/>
+          </a:p>
+          <a:p>
+            <a:pPr marL="0" indent="0">
+              <a:buNone/>
+            </a:pPr>
+            <a:endParaRPr lang="en-US" sz="2400" dirty="0"/>
+          </a:p>
+          <a:p>
+            <a:pPr marL="0" indent="0">
+              <a:buNone/>
+            </a:pPr>
+            <a:r>
+              <a:rPr lang="en-US" sz="2400" dirty="0"/>
+              <a:t>Generate test cases using equivalence class testing technique and write the implementation alongside.</a:t>
+            </a:r>
           </a:p>
         </p:txBody>
       </p:sp>
       <p:pic>
         <p:nvPicPr>
-          <p:cNvPr id="4" name="Content Placeholder 3" descr="Screenshot 2024-03-05 at 8.10.59 in the morning"/>
+          <p:cNvPr id="4" name="Picture 3"/>
           <p:cNvPicPr>
             <a:picLocks noChangeAspect="1"/>
           </p:cNvPicPr>
-          <p:nvPr>
-            <p:ph idx="1"/>
-          </p:nvPr>
+          <p:nvPr/>
         </p:nvPicPr>
         <p:blipFill>
-          <a:blip r:embed="rId1"/>
+          <a:blip r:embed="rId2"/>
           <a:stretch>
             <a:fillRect/>
           </a:stretch>
         </p:blipFill>
         <p:spPr>
           <a:xfrm>
-            <a:off x="2520950" y="0"/>
-            <a:ext cx="7150100" cy="6853555"/>
+            <a:off x="2531533" y="2336800"/>
+            <a:ext cx="6574155" cy="2495550"/>
           </a:xfrm>
           <a:prstGeom prst="rect">
             <a:avLst/>
@@ -3423,7 +3509,14 @@
         <p:cNvGrpSpPr/>
         <p:nvPr/>
       </p:nvGrpSpPr>
-      <p:grpSpPr/>
+      <p:grpSpPr>
+        <a:xfrm>
+          <a:off x="0" y="0"/>
+          <a:ext cx="0" cy="0"/>
+          <a:chOff x="0" y="0"/>
+          <a:chExt cx="0" cy="0"/>
+        </a:xfrm>
+      </p:grpSpPr>
       <p:sp>
         <p:nvSpPr>
           <p:cNvPr id="2" name="Title 1"/>
@@ -3437,12 +3530,13 @@
         <p:spPr/>
         <p:txBody>
           <a:bodyPr/>
-          <a:p>
-            <a:r>
-              <a:rPr lang="en-US"/>
-              <a:t>Example 3.2. Class Activity</a:t>
-            </a:r>
-            <a:endParaRPr lang="en-US"/>
+          <a:lstStyle/>
+          <a:p>
+            <a:pPr algn="ctr"/>
+            <a:r>
+              <a:rPr lang="en-US" b="1" dirty="0"/>
+              <a:t>Solution</a:t>
+            </a:r>
           </a:p>
         </p:txBody>
       </p:sp>
@@ -3456,96 +3550,66 @@
             <p:ph idx="1"/>
           </p:nvPr>
         </p:nvSpPr>
-        <p:spPr>
-          <a:xfrm>
-            <a:off x="1981200" y="1363980"/>
-            <a:ext cx="8229600" cy="4762500"/>
-          </a:xfrm>
-        </p:spPr>
-        <p:txBody>
-          <a:bodyPr/>
+        <p:spPr/>
+        <p:txBody>
+          <a:bodyPr/>
+          <a:lstStyle/>
           <a:p>
             <a:pPr marL="0" indent="0">
               <a:buNone/>
             </a:pPr>
             <a:r>
               <a:rPr lang="en-US" sz="2400"/>
-              <a:t>Let us consider an example of grading the students in an academic institution. The grading is done according to the following rules:</a:t>
-            </a:r>
-            <a:endParaRPr lang="en-US" sz="2400"/>
+              <a:t>1. Valid Equivalence Classes</a:t>
+            </a:r>
           </a:p>
           <a:p>
             <a:pPr marL="0" indent="0">
               <a:buNone/>
             </a:pPr>
-            <a:endParaRPr lang="en-US" sz="2400"/>
+            <a:r>
+              <a:rPr lang="en-US" sz="2400"/>
+              <a:t>VE1: 80-100 (inclusive) for “Distinction”</a:t>
+            </a:r>
           </a:p>
           <a:p>
             <a:pPr marL="0" indent="0">
               <a:buNone/>
             </a:pPr>
-            <a:endParaRPr lang="en-US" sz="2400"/>
+            <a:r>
+              <a:rPr lang="en-US" sz="2400"/>
+              <a:t>...</a:t>
+            </a:r>
           </a:p>
           <a:p>
             <a:pPr marL="0" indent="0">
               <a:buNone/>
             </a:pPr>
-            <a:endParaRPr lang="en-US" sz="2400"/>
+            <a:r>
+              <a:rPr lang="en-US" sz="2400"/>
+              <a:t>2. Invalid Equivalence Classes</a:t>
+            </a:r>
           </a:p>
           <a:p>
             <a:pPr marL="0" indent="0">
               <a:buNone/>
             </a:pPr>
-            <a:endParaRPr lang="en-US" sz="2400"/>
+            <a:r>
+              <a:rPr lang="en-US" sz="2400"/>
+              <a:t>IE1: Marks below 0 (negative marks)</a:t>
+            </a:r>
           </a:p>
           <a:p>
             <a:pPr marL="0" indent="0">
               <a:buNone/>
             </a:pPr>
-            <a:endParaRPr lang="en-US" sz="2400"/>
-          </a:p>
-          <a:p>
-            <a:pPr marL="0" indent="0">
-              <a:buNone/>
-            </a:pPr>
-            <a:endParaRPr lang="en-US" sz="2400"/>
-          </a:p>
-          <a:p>
-            <a:pPr marL="0" indent="0">
-              <a:buNone/>
-            </a:pPr>
             <a:r>
               <a:rPr lang="en-US" sz="2400"/>
-              <a:t>Generate test cases using equivalence class testing technique and write the implementation alongside.</a:t>
-            </a:r>
-            <a:endParaRPr lang="en-US" sz="2400"/>
-          </a:p>
-        </p:txBody>
-      </p:sp>
-      <p:pic>
-        <p:nvPicPr>
-          <p:cNvPr id="4" name="Picture 3"/>
-          <p:cNvPicPr>
-            <a:picLocks noChangeAspect="1"/>
-          </p:cNvPicPr>
-          <p:nvPr/>
-        </p:nvPicPr>
-        <p:blipFill>
-          <a:blip r:embed="rId1"/>
-          <a:stretch>
-            <a:fillRect/>
-          </a:stretch>
-        </p:blipFill>
-        <p:spPr>
-          <a:xfrm>
-            <a:off x="2590800" y="2819400"/>
-            <a:ext cx="6574155" cy="2495550"/>
-          </a:xfrm>
-          <a:prstGeom prst="rect">
-            <a:avLst/>
-          </a:prstGeom>
-        </p:spPr>
-      </p:pic>
+              <a:t>IE2: Marks above 100</a:t>
+            </a:r>
+          </a:p>
+        </p:txBody>
+      </p:sp>
     </p:spTree>
   </p:cSld>
   <p:clrMapOvr>
@@ -3563,7 +3627,14 @@
         <p:cNvGrpSpPr/>
         <p:nvPr/>
       </p:nvGrpSpPr>
-      <p:grpSpPr/>
+      <p:grpSpPr>
+        <a:xfrm>
+          <a:off x="0" y="0"/>
+          <a:ext cx="0" cy="0"/>
+          <a:chOff x="0" y="0"/>
+          <a:chExt cx="0" cy="0"/>
+        </a:xfrm>
+      </p:grpSpPr>
       <p:sp>
         <p:nvSpPr>
           <p:cNvPr id="2" name="Title 1"/>
@@ -3577,12 +3648,12 @@
         <p:spPr/>
         <p:txBody>
           <a:bodyPr/>
-          <a:p>
-            <a:r>
-              <a:rPr lang="en-US"/>
-              <a:t>Solution</a:t>
-            </a:r>
-            <a:endParaRPr lang="en-US"/>
+          <a:lstStyle/>
+          <a:p>
+            <a:r>
+              <a:rPr lang="en-US"/>
+              <a:t>Implementation</a:t>
+            </a:r>
           </a:p>
         </p:txBody>
       </p:sp>
@@ -3599,65 +3670,33 @@
         <p:spPr/>
         <p:txBody>
           <a:bodyPr/>
+          <a:lstStyle/>
           <a:p>
             <a:pPr marL="0" indent="0">
               <a:buNone/>
             </a:pPr>
             <a:r>
-              <a:rPr lang="en-US" sz="2400"/>
-              <a:t>1. Valid Equivalence Classes</a:t>
-            </a:r>
-            <a:endParaRPr lang="en-US" sz="2400"/>
+              <a:rPr lang="en-US" sz="1800"/>
+              <a:t>public void testInvalidMarksAboveHundred() {</a:t>
+            </a:r>
           </a:p>
           <a:p>
             <a:pPr marL="0" indent="0">
               <a:buNone/>
             </a:pPr>
             <a:r>
-              <a:rPr lang="en-US" sz="2400"/>
-              <a:t>VE1: 80-100 (inclusive) for “Distinction”</a:t>
-            </a:r>
-            <a:endParaRPr lang="en-US" sz="2400"/>
+              <a:rPr lang="en-US" sz="1800"/>
+              <a:t>Assertions.assertEqual(“Invalid marks”, calculator.calculateGrade(101));</a:t>
+            </a:r>
           </a:p>
           <a:p>
             <a:pPr marL="0" indent="0">
               <a:buNone/>
             </a:pPr>
             <a:r>
-              <a:rPr lang="en-US" sz="2400"/>
-              <a:t>...</a:t>
-            </a:r>
-            <a:endParaRPr lang="en-US" sz="2400"/>
-          </a:p>
-          <a:p>
-            <a:pPr marL="0" indent="0">
-              <a:buNone/>
-            </a:pPr>
-            <a:r>
-              <a:rPr lang="en-US" sz="2400"/>
-              <a:t>2. Invalid Equivalence Classes</a:t>
-            </a:r>
-            <a:endParaRPr lang="en-US" sz="2400"/>
-          </a:p>
-          <a:p>
-            <a:pPr marL="0" indent="0">
-              <a:buNone/>
-            </a:pPr>
-            <a:r>
-              <a:rPr lang="en-US" sz="2400"/>
-              <a:t>IE1: Marks below 0 (negative marks)</a:t>
-            </a:r>
-            <a:endParaRPr lang="en-US" sz="2400"/>
-          </a:p>
-          <a:p>
-            <a:pPr marL="0" indent="0">
-              <a:buNone/>
-            </a:pPr>
-            <a:r>
-              <a:rPr lang="en-US" sz="2400"/>
-              <a:t>IE2: Marks above 100</a:t>
-            </a:r>
-            <a:endParaRPr lang="en-US" sz="2400"/>
+              <a:rPr lang="en-US" sz="1800"/>
+              <a:t>}</a:t>
+            </a:r>
           </a:p>
         </p:txBody>
       </p:sp>
@@ -3678,7 +3717,14 @@
         <p:cNvGrpSpPr/>
         <p:nvPr/>
       </p:nvGrpSpPr>
-      <p:grpSpPr/>
+      <p:grpSpPr>
+        <a:xfrm>
+          <a:off x="0" y="0"/>
+          <a:ext cx="0" cy="0"/>
+          <a:chOff x="0" y="0"/>
+          <a:chExt cx="0" cy="0"/>
+        </a:xfrm>
+      </p:grpSpPr>
       <p:sp>
         <p:nvSpPr>
           <p:cNvPr id="2" name="Title 1"/>
@@ -3692,12 +3738,13 @@
         <p:spPr/>
         <p:txBody>
           <a:bodyPr/>
-          <a:p>
-            <a:r>
-              <a:rPr lang="en-US"/>
-              <a:t>Implementation</a:t>
-            </a:r>
-            <a:endParaRPr lang="en-US"/>
+          <a:lstStyle/>
+          <a:p>
+            <a:pPr algn="ctr"/>
+            <a:r>
+              <a:rPr lang="en-US" b="1" dirty="0"/>
+              <a:t>Example 3.3: Homework</a:t>
+            </a:r>
           </a:p>
         </p:txBody>
       </p:sp>
@@ -3714,35 +3761,51 @@
         <p:spPr/>
         <p:txBody>
           <a:bodyPr/>
+          <a:lstStyle/>
           <a:p>
             <a:pPr marL="0" indent="0">
               <a:buNone/>
             </a:pPr>
             <a:r>
-              <a:rPr lang="en-US" sz="1800"/>
-              <a:t>public void testInvalidMarksAboveHundred() {</a:t>
-            </a:r>
-            <a:endParaRPr lang="en-US" sz="1800"/>
+              <a:rPr lang="en-US" sz="2400"/>
+              <a:t>Consider a program for determining the Previous date. Its input is a triple of day, month and year with the values in the range</a:t>
+            </a:r>
           </a:p>
           <a:p>
             <a:pPr marL="0" indent="0">
               <a:buNone/>
             </a:pPr>
             <a:r>
-              <a:rPr lang="en-US" sz="1800"/>
-              <a:t>Assertions.assertEqual(“Invalid marks”, calculator.calculateGrade(101));</a:t>
-            </a:r>
-            <a:endParaRPr lang="en-US" sz="1800"/>
+              <a:rPr lang="en-US" sz="2400"/>
+              <a:t>1 ≤ month ≤ 12</a:t>
+            </a:r>
           </a:p>
           <a:p>
             <a:pPr marL="0" indent="0">
               <a:buNone/>
             </a:pPr>
             <a:r>
-              <a:rPr lang="en-US" sz="1800"/>
-              <a:t>}</a:t>
-            </a:r>
-            <a:endParaRPr lang="en-US" sz="1800"/>
+              <a:rPr lang="en-US" sz="2400"/>
+              <a:t>1 ≤ day ≤ 31</a:t>
+            </a:r>
+          </a:p>
+          <a:p>
+            <a:pPr marL="0" indent="0">
+              <a:buNone/>
+            </a:pPr>
+            <a:r>
+              <a:rPr lang="en-US" sz="2400"/>
+              <a:t>1900 ≤ year ≤ 2025</a:t>
+            </a:r>
+          </a:p>
+          <a:p>
+            <a:pPr marL="0" indent="0">
+              <a:buNone/>
+            </a:pPr>
+            <a:r>
+              <a:rPr lang="en-US" sz="2400"/>
+              <a:t>The possible outputs would be Previous date or invalid input date.  Identify the equivalence class test cases for output &amp; input domains.</a:t>
+            </a:r>
           </a:p>
         </p:txBody>
       </p:sp>
@@ -3763,7 +3826,14 @@
         <p:cNvGrpSpPr/>
         <p:nvPr/>
       </p:nvGrpSpPr>
-      <p:grpSpPr/>
+      <p:grpSpPr>
+        <a:xfrm>
+          <a:off x="0" y="0"/>
+          <a:ext cx="0" cy="0"/>
+          <a:chOff x="0" y="0"/>
+          <a:chExt cx="0" cy="0"/>
+        </a:xfrm>
+      </p:grpSpPr>
       <p:sp>
         <p:nvSpPr>
           <p:cNvPr id="2" name="Title 1"/>
@@ -3777,12 +3847,13 @@
         <p:spPr/>
         <p:txBody>
           <a:bodyPr/>
-          <a:p>
-            <a:r>
-              <a:rPr lang="en-US"/>
-              <a:t>	Example 3.3: Homework</a:t>
-            </a:r>
-            <a:endParaRPr lang="en-US"/>
+          <a:lstStyle/>
+          <a:p>
+            <a:pPr algn="l"/>
+            <a:r>
+              <a:rPr lang="en-US"/>
+              <a:t>Solution</a:t>
+            </a:r>
           </a:p>
         </p:txBody>
       </p:sp>
@@ -3799,58 +3870,60 @@
         <p:spPr/>
         <p:txBody>
           <a:bodyPr/>
+          <a:lstStyle/>
           <a:p>
             <a:pPr marL="0" indent="0">
               <a:buNone/>
             </a:pPr>
             <a:r>
-              <a:rPr lang="en-US" sz="2400"/>
-              <a:t>Consider a program for determining the Previous date. Its input is a triple of day, month and year with the values in the range</a:t>
-            </a:r>
-            <a:endParaRPr lang="en-US" sz="2400"/>
+              <a:rPr lang="en-US"/>
+              <a:t>Output domain equivalence class are:</a:t>
+            </a:r>
           </a:p>
           <a:p>
             <a:pPr marL="0" indent="0">
               <a:buNone/>
             </a:pPr>
             <a:r>
-              <a:rPr lang="en-US" sz="2400"/>
-              <a:t>1 ≤ month ≤ 12</a:t>
-            </a:r>
-            <a:endParaRPr lang="en-US" sz="2400"/>
+              <a:rPr lang="en-US" sz="2000"/>
+              <a:t>O1={&lt;D,M,Y&gt;: Previous date if all are valid inputs}</a:t>
+            </a:r>
           </a:p>
           <a:p>
             <a:pPr marL="0" indent="0">
               <a:buNone/>
             </a:pPr>
             <a:r>
-              <a:rPr lang="en-US" sz="2400"/>
-              <a:t>1 ≤ day ≤ 31</a:t>
-            </a:r>
-            <a:endParaRPr lang="en-US" sz="2400"/>
-          </a:p>
-          <a:p>
-            <a:pPr marL="0" indent="0">
-              <a:buNone/>
-            </a:pPr>
-            <a:r>
-              <a:rPr lang="en-US" sz="2400"/>
-              <a:t>1900 ≤ year ≤ 2025</a:t>
-            </a:r>
-            <a:endParaRPr lang="en-US" sz="2400"/>
-          </a:p>
-          <a:p>
-            <a:pPr marL="0" indent="0">
-              <a:buNone/>
-            </a:pPr>
-            <a:r>
-              <a:rPr lang="en-US" sz="2400"/>
-              <a:t>The possible outputs would be Previous date or invalid input date.  Identify the equivalence class test cases for output &amp; input domains.</a:t>
-            </a:r>
-            <a:endParaRPr lang="en-US" sz="2400"/>
-          </a:p>
-        </p:txBody>
-      </p:sp>
+              <a:rPr lang="en-US" sz="2000"/>
+              <a:t>O1={&lt;D,M,Y&gt;: Invalid date if any input makes the date invalid}</a:t>
+            </a:r>
+          </a:p>
+        </p:txBody>
+      </p:sp>
+      <p:pic>
+        <p:nvPicPr>
+          <p:cNvPr id="4" name="Picture 3" descr="Screenshot 2024-03-04 at 11.08.37 in the morning"/>
+          <p:cNvPicPr>
+            <a:picLocks noChangeAspect="1"/>
+          </p:cNvPicPr>
+          <p:nvPr/>
+        </p:nvPicPr>
+        <p:blipFill>
+          <a:blip r:embed="rId2"/>
+          <a:stretch>
+            <a:fillRect/>
+          </a:stretch>
+        </p:blipFill>
+        <p:spPr>
+          <a:xfrm>
+            <a:off x="990600" y="3276600"/>
+            <a:ext cx="6604000" cy="1270000"/>
+          </a:xfrm>
+          <a:prstGeom prst="rect">
+            <a:avLst/>
+          </a:prstGeom>
+        </p:spPr>
+      </p:pic>
     </p:spTree>
   </p:cSld>
   <p:clrMapOvr>
@@ -3868,7 +3941,14 @@
         <p:cNvGrpSpPr/>
         <p:nvPr/>
       </p:nvGrpSpPr>
-      <p:grpSpPr/>
+      <p:grpSpPr>
+        <a:xfrm>
+          <a:off x="0" y="0"/>
+          <a:ext cx="0" cy="0"/>
+          <a:chOff x="0" y="0"/>
+          <a:chExt cx="0" cy="0"/>
+        </a:xfrm>
+      </p:grpSpPr>
       <p:sp>
         <p:nvSpPr>
           <p:cNvPr id="2" name="Title 1"/>
@@ -3882,12 +3962,8 @@
         <p:spPr/>
         <p:txBody>
           <a:bodyPr/>
-          <a:p>
-            <a:pPr algn="l"/>
-            <a:r>
-              <a:rPr lang="en-US"/>
-              <a:t>Solution</a:t>
-            </a:r>
+          <a:lstStyle/>
+          <a:p>
             <a:endParaRPr lang="en-US"/>
           </a:p>
         </p:txBody>
@@ -3905,62 +3981,99 @@
         <p:spPr/>
         <p:txBody>
           <a:bodyPr/>
+          <a:lstStyle/>
           <a:p>
             <a:pPr marL="0" indent="0">
               <a:buNone/>
             </a:pPr>
             <a:r>
-              <a:rPr lang="en-US"/>
-              <a:t>Output domain equivalence class are:</a:t>
-            </a:r>
-            <a:endParaRPr lang="en-US"/>
+              <a:rPr lang="en-US" sz="2000" dirty="0"/>
+              <a:t>We may have another set of test cases which are based on input domain.</a:t>
+            </a:r>
           </a:p>
           <a:p>
             <a:pPr marL="0" indent="0">
               <a:buNone/>
             </a:pPr>
             <a:r>
-              <a:rPr lang="en-US" sz="2000"/>
-              <a:t>O1={&lt;D,M,Y&gt;: Previous date if all are valid inputs}</a:t>
-            </a:r>
-            <a:endParaRPr lang="en-US" sz="2000"/>
+              <a:rPr lang="en-US" sz="2000" dirty="0"/>
+              <a:t>I1={month: 1 ≤ m ≤ 12}</a:t>
+            </a:r>
           </a:p>
           <a:p>
             <a:pPr marL="0" indent="0">
               <a:buNone/>
             </a:pPr>
             <a:r>
-              <a:rPr lang="en-US" sz="2000"/>
-              <a:t>O1={&lt;D,M,Y&gt;: Invalid date if any input makes the date invalid}</a:t>
-            </a:r>
-            <a:endParaRPr lang="en-US" sz="2000"/>
-          </a:p>
-        </p:txBody>
-      </p:sp>
-      <p:pic>
-        <p:nvPicPr>
-          <p:cNvPr id="4" name="Picture 3" descr="Screenshot 2024-03-04 at 11.08.37 in the morning"/>
-          <p:cNvPicPr>
-            <a:picLocks noChangeAspect="1"/>
-          </p:cNvPicPr>
-          <p:nvPr/>
-        </p:nvPicPr>
-        <p:blipFill>
-          <a:blip r:embed="rId1"/>
-          <a:stretch>
-            <a:fillRect/>
-          </a:stretch>
-        </p:blipFill>
-        <p:spPr>
-          <a:xfrm>
-            <a:off x="2362200" y="2971800"/>
-            <a:ext cx="6604000" cy="1270000"/>
-          </a:xfrm>
-          <a:prstGeom prst="rect">
-            <a:avLst/>
-          </a:prstGeom>
-        </p:spPr>
-      </p:pic>
+              <a:rPr lang="en-US" sz="2000" dirty="0"/>
+              <a:t>I2={month: m &lt; 1}</a:t>
+            </a:r>
+          </a:p>
+          <a:p>
+            <a:pPr marL="0" indent="0">
+              <a:buNone/>
+            </a:pPr>
+            <a:r>
+              <a:rPr lang="en-US" sz="2000" dirty="0"/>
+              <a:t>I3={month: m &gt; 12}</a:t>
+            </a:r>
+          </a:p>
+          <a:p>
+            <a:pPr marL="0" indent="0">
+              <a:buNone/>
+            </a:pPr>
+            <a:r>
+              <a:rPr lang="en-US" sz="2000" dirty="0"/>
+              <a:t>I4={day: 1 ≤ D ≤ 31}</a:t>
+            </a:r>
+          </a:p>
+          <a:p>
+            <a:pPr marL="0" indent="0">
+              <a:buNone/>
+            </a:pPr>
+            <a:r>
+              <a:rPr lang="en-US" sz="2000" dirty="0"/>
+              <a:t>I5={day: D &lt; 1}</a:t>
+            </a:r>
+          </a:p>
+          <a:p>
+            <a:pPr marL="0" indent="0">
+              <a:buNone/>
+            </a:pPr>
+            <a:r>
+              <a:rPr lang="en-US" sz="2000" dirty="0"/>
+              <a:t>I6={day: D &gt; 31}</a:t>
+            </a:r>
+          </a:p>
+          <a:p>
+            <a:pPr marL="0" indent="0">
+              <a:buNone/>
+            </a:pPr>
+            <a:r>
+              <a:rPr lang="en-US" sz="2000" dirty="0"/>
+              <a:t>I7={year: 1900 ≤ Y ≤ 2025}</a:t>
+            </a:r>
+          </a:p>
+          <a:p>
+            <a:pPr marL="0" indent="0">
+              <a:buNone/>
+            </a:pPr>
+            <a:r>
+              <a:rPr lang="en-US" sz="2000" dirty="0"/>
+              <a:t>I8={year: Y &lt; 1900}</a:t>
+            </a:r>
+          </a:p>
+          <a:p>
+            <a:pPr marL="0" indent="0">
+              <a:buNone/>
+            </a:pPr>
+            <a:r>
+              <a:rPr lang="en-US" sz="2000" dirty="0"/>
+              <a:t>I9={year: Y &gt; 2025}</a:t>
+            </a:r>
+          </a:p>
+        </p:txBody>
+      </p:sp>
     </p:spTree>
   </p:cSld>
   <p:clrMapOvr>
@@ -3978,7 +4091,14 @@
         <p:cNvGrpSpPr/>
         <p:nvPr/>
       </p:nvGrpSpPr>
-      <p:grpSpPr/>
+      <p:grpSpPr>
+        <a:xfrm>
+          <a:off x="0" y="0"/>
+          <a:ext cx="0" cy="0"/>
+          <a:chOff x="0" y="0"/>
+          <a:chExt cx="0" cy="0"/>
+        </a:xfrm>
+      </p:grpSpPr>
       <p:sp>
         <p:nvSpPr>
           <p:cNvPr id="2" name="Title 1"/>
@@ -3992,6 +4112,7 @@
         <p:spPr/>
         <p:txBody>
           <a:bodyPr/>
+          <a:lstStyle/>
           <a:p>
             <a:endParaRPr lang="en-US"/>
           </a:p>
@@ -4010,108 +4131,39 @@
         <p:spPr/>
         <p:txBody>
           <a:bodyPr/>
-          <a:p>
-            <a:pPr marL="0" indent="0">
-              <a:buNone/>
-            </a:pPr>
+          <a:lstStyle/>
+          <a:p>
             <a:r>
               <a:rPr lang="en-US" sz="2000"/>
-              <a:t>We may have another set of test cases which are based on input domain.</a:t>
-            </a:r>
-            <a:endParaRPr lang="en-US" sz="2000"/>
-          </a:p>
-          <a:p>
-            <a:pPr marL="0" indent="0">
-              <a:buNone/>
-            </a:pPr>
-            <a:r>
-              <a:rPr lang="en-US" sz="2000"/>
-              <a:t>I1={month: 1 ≤ m ≤ 12}</a:t>
-            </a:r>
-            <a:endParaRPr lang="en-US" sz="2000"/>
-          </a:p>
-          <a:p>
-            <a:pPr marL="0" indent="0">
-              <a:buNone/>
-            </a:pPr>
-            <a:r>
-              <a:rPr lang="en-US" sz="2000"/>
-              <a:t>I2={month: m &lt; 1}</a:t>
-            </a:r>
-            <a:endParaRPr lang="en-US" sz="2000"/>
-          </a:p>
-          <a:p>
-            <a:pPr marL="0" indent="0">
-              <a:buNone/>
-            </a:pPr>
-            <a:r>
-              <a:rPr lang="en-US" sz="2000"/>
-              <a:t>I3={month: m &gt; 12}</a:t>
-            </a:r>
-            <a:endParaRPr lang="en-US" sz="2000"/>
-          </a:p>
-          <a:p>
-            <a:pPr marL="0" indent="0">
-              <a:buNone/>
-            </a:pPr>
-            <a:r>
-              <a:rPr lang="en-US" sz="2000"/>
-              <a:t>I4={day: 1 ≤ D ≤ 31}</a:t>
-            </a:r>
-            <a:endParaRPr lang="en-US" sz="2000"/>
-          </a:p>
-          <a:p>
-            <a:pPr marL="0" indent="0">
-              <a:buNone/>
-            </a:pPr>
-            <a:r>
-              <a:rPr lang="en-US" sz="2000"/>
-              <a:t>I5={day: D &lt; 1}</a:t>
-            </a:r>
-            <a:endParaRPr lang="en-US" sz="2000"/>
-          </a:p>
-          <a:p>
-            <a:pPr marL="0" indent="0">
-              <a:buNone/>
-            </a:pPr>
-            <a:r>
-              <a:rPr lang="en-US" sz="2000"/>
-              <a:t>I6={day: D &gt; 31}</a:t>
-            </a:r>
-            <a:endParaRPr lang="en-US" sz="2000"/>
-          </a:p>
-          <a:p>
-            <a:pPr marL="0" indent="0">
-              <a:buNone/>
-            </a:pPr>
-            <a:r>
-              <a:rPr lang="en-US" sz="2000"/>
-              <a:t>I7={year: 1900 ≤ Y ≤ 2025}</a:t>
-            </a:r>
-            <a:endParaRPr lang="en-US" sz="2000"/>
-          </a:p>
-          <a:p>
-            <a:pPr marL="0" indent="0">
-              <a:buNone/>
-            </a:pPr>
-            <a:r>
-              <a:rPr lang="en-US" sz="2000"/>
-              <a:t>I8={year: Y &lt; 1900}</a:t>
-            </a:r>
-            <a:endParaRPr lang="en-US" sz="2000"/>
-          </a:p>
-          <a:p>
-            <a:pPr marL="0" indent="0">
-              <a:buNone/>
-            </a:pPr>
-            <a:r>
-              <a:rPr lang="en-US" sz="2000"/>
-              <a:t>I9={year: Y &gt; 2025}</a:t>
-            </a:r>
-            <a:endParaRPr lang="en-US" sz="2000"/>
-          </a:p>
-        </p:txBody>
-      </p:sp>
+              <a:t>Inputs domain test cases are :</a:t>
+            </a:r>
+          </a:p>
+        </p:txBody>
+      </p:sp>
+      <p:pic>
+        <p:nvPicPr>
+          <p:cNvPr id="4" name="Picture 3" descr="Screenshot 2024-03-04 at 11.09.58 in the morning"/>
+          <p:cNvPicPr>
+            <a:picLocks noChangeAspect="1"/>
+          </p:cNvPicPr>
+          <p:nvPr/>
+        </p:nvPicPr>
+        <p:blipFill>
+          <a:blip r:embed="rId2"/>
+          <a:stretch>
+            <a:fillRect/>
+          </a:stretch>
+        </p:blipFill>
+        <p:spPr>
+          <a:xfrm>
+            <a:off x="914400" y="2302933"/>
+            <a:ext cx="7543800" cy="2921000"/>
+          </a:xfrm>
+          <a:prstGeom prst="rect">
+            <a:avLst/>
+          </a:prstGeom>
+        </p:spPr>
+      </p:pic>
     </p:spTree>
   </p:cSld>
   <p:clrMapOvr>
@@ -4129,7 +4181,14 @@
         <p:cNvGrpSpPr/>
         <p:nvPr/>
       </p:nvGrpSpPr>
-      <p:grpSpPr/>
+      <p:grpSpPr>
+        <a:xfrm>
+          <a:off x="0" y="0"/>
+          <a:ext cx="0" cy="0"/>
+          <a:chOff x="0" y="0"/>
+          <a:chExt cx="0" cy="0"/>
+        </a:xfrm>
+      </p:grpSpPr>
       <p:sp>
         <p:nvSpPr>
           <p:cNvPr id="7170" name="Title 1"/>
@@ -4145,6 +4204,7 @@
           <a:bodyPr vert="horz" wrap="square" lIns="91440" tIns="45720" rIns="91440" bIns="45720" anchor="ctr" anchorCtr="0">
             <a:normAutofit fontScale="90000"/>
           </a:bodyPr>
+          <a:lstStyle/>
           <a:p>
             <a:pPr algn="ctr">
               <a:spcBef>
@@ -4190,6 +4250,7 @@
         </p:spPr>
         <p:txBody>
           <a:bodyPr vert="horz" wrap="square" lIns="91440" tIns="45720" rIns="91440" bIns="45720" anchor="t" anchorCtr="0"/>
+          <a:lstStyle/>
           <a:p>
             <a:pPr lvl="0" algn="l">
               <a:buFont typeface="Wingdings" panose="05000000000000000000" charset="0"/>
@@ -4219,7 +4280,6 @@
               <a:rPr sz="2400" dirty="0"/>
               <a:t>.</a:t>
             </a:r>
-            <a:endParaRPr sz="2400" dirty="0"/>
           </a:p>
           <a:p>
             <a:pPr algn="just">
@@ -4229,7 +4289,6 @@
               <a:rPr sz="2400" dirty="0"/>
               <a:t> </a:t>
             </a:r>
-            <a:endParaRPr sz="2400" dirty="0"/>
           </a:p>
           <a:p>
             <a:pPr marL="0" indent="0" algn="just">
@@ -4252,7 +4311,6 @@
               <a:rPr sz="2400" dirty="0"/>
               <a:t>even though they may not realize it. </a:t>
             </a:r>
-            <a:endParaRPr sz="2400" dirty="0"/>
           </a:p>
           <a:p>
             <a:pPr marL="0" indent="0" algn="just">
@@ -4290,92 +4348,9 @@
               <a:rPr lang="en-US" sz="2400" dirty="0"/>
               <a:t>.</a:t>
             </a:r>
-            <a:endParaRPr lang="en-US" sz="2400" dirty="0"/>
-          </a:p>
-        </p:txBody>
-      </p:sp>
-    </p:spTree>
-  </p:cSld>
-  <p:clrMapOvr>
-    <a:masterClrMapping/>
-  </p:clrMapOvr>
-</p:sld>
-</file>
-
-<file path=ppt/slides/slide20.xml><?xml version="1.0" encoding="utf-8"?>
-<p:sld xmlns:a="http://schemas.openxmlformats.org/drawingml/2006/main" xmlns:r="http://schemas.openxmlformats.org/officeDocument/2006/relationships" xmlns:p="http://schemas.openxmlformats.org/presentationml/2006/main">
-  <p:cSld>
-    <p:spTree>
-      <p:nvGrpSpPr>
-        <p:cNvPr id="1" name=""/>
-        <p:cNvGrpSpPr/>
-        <p:nvPr/>
-      </p:nvGrpSpPr>
-      <p:grpSpPr/>
-      <p:sp>
-        <p:nvSpPr>
-          <p:cNvPr id="2" name="Title 1"/>
-          <p:cNvSpPr>
-            <a:spLocks noGrp="1"/>
-          </p:cNvSpPr>
-          <p:nvPr>
-            <p:ph type="title"/>
-          </p:nvPr>
-        </p:nvSpPr>
-        <p:spPr/>
-        <p:txBody>
-          <a:bodyPr/>
-          <a:p>
-            <a:endParaRPr lang="en-US"/>
-          </a:p>
-        </p:txBody>
-      </p:sp>
-      <p:sp>
-        <p:nvSpPr>
-          <p:cNvPr id="3" name="Content Placeholder 2"/>
-          <p:cNvSpPr>
-            <a:spLocks noGrp="1"/>
-          </p:cNvSpPr>
-          <p:nvPr>
-            <p:ph idx="1"/>
-          </p:nvPr>
-        </p:nvSpPr>
-        <p:spPr/>
-        <p:txBody>
-          <a:bodyPr/>
-          <a:p>
-            <a:r>
-              <a:rPr lang="en-US" sz="2000"/>
-              <a:t>Inputs domain test cases are :</a:t>
-            </a:r>
-            <a:endParaRPr lang="en-US" sz="2000"/>
-          </a:p>
-        </p:txBody>
-      </p:sp>
-      <p:pic>
-        <p:nvPicPr>
-          <p:cNvPr id="4" name="Picture 3" descr="Screenshot 2024-03-04 at 11.09.58 in the morning"/>
-          <p:cNvPicPr>
-            <a:picLocks noChangeAspect="1"/>
-          </p:cNvPicPr>
-          <p:nvPr/>
-        </p:nvPicPr>
-        <p:blipFill>
-          <a:blip r:embed="rId1"/>
-          <a:stretch>
-            <a:fillRect/>
-          </a:stretch>
-        </p:blipFill>
-        <p:spPr>
-          <a:xfrm>
-            <a:off x="2362200" y="2057400"/>
-            <a:ext cx="7543800" cy="2921000"/>
-          </a:xfrm>
-          <a:prstGeom prst="rect">
-            <a:avLst/>
-          </a:prstGeom>
-        </p:spPr>
-      </p:pic>
+          </a:p>
+        </p:txBody>
+      </p:sp>
     </p:spTree>
   </p:cSld>
   <p:clrMapOvr>
@@ -4393,7 +4368,14 @@
         <p:cNvGrpSpPr/>
         <p:nvPr/>
       </p:nvGrpSpPr>
-      <p:grpSpPr/>
+      <p:grpSpPr>
+        <a:xfrm>
+          <a:off x="0" y="0"/>
+          <a:ext cx="0" cy="0"/>
+          <a:chOff x="0" y="0"/>
+          <a:chExt cx="0" cy="0"/>
+        </a:xfrm>
+      </p:grpSpPr>
       <p:sp>
         <p:nvSpPr>
           <p:cNvPr id="9218" name="Title 1"/>
@@ -4407,6 +4389,7 @@
         <p:spPr/>
         <p:txBody>
           <a:bodyPr vert="horz" wrap="square" lIns="91440" tIns="45720" rIns="91440" bIns="45720" anchor="ctr" anchorCtr="0"/>
+          <a:lstStyle/>
           <a:p>
             <a:pPr algn="ctr">
               <a:spcBef>
@@ -4417,7 +4400,6 @@
               <a:rPr b="1" dirty="0"/>
               <a:t>Equivalence Partitioning</a:t>
             </a:r>
-            <a:endParaRPr b="1" dirty="0"/>
           </a:p>
         </p:txBody>
       </p:sp>
@@ -4441,6 +4423,7 @@
           <a:bodyPr vert="horz" wrap="square" lIns="91440" tIns="45720" rIns="91440" bIns="45720" anchor="t" anchorCtr="0">
             <a:normAutofit/>
           </a:bodyPr>
+          <a:lstStyle/>
           <a:p>
             <a:pPr marL="0" indent="0" algn="just" eaLnBrk="1" hangingPunct="1">
               <a:buClr>
@@ -4453,7 +4436,6 @@
               <a:rPr sz="2000" dirty="0"/>
               <a:t>Equivalence Partitioning is a smart way to test software with less work. Here's the idea:</a:t>
             </a:r>
-            <a:endParaRPr sz="2000" dirty="0"/>
           </a:p>
           <a:p>
             <a:pPr algn="just" eaLnBrk="1" hangingPunct="1">
@@ -4468,7 +4450,6 @@
               <a:rPr sz="2000" dirty="0"/>
               <a:t>Imagine all the things we can test in a program as a big set of inputs.</a:t>
             </a:r>
-            <a:endParaRPr sz="2000" dirty="0"/>
           </a:p>
           <a:p>
             <a:pPr algn="just" eaLnBrk="1" hangingPunct="1">
@@ -4510,7 +4491,6 @@
               <a:rPr sz="1710" dirty="0"/>
               <a:t>.</a:t>
             </a:r>
-            <a:endParaRPr sz="1710" dirty="0"/>
           </a:p>
           <a:p>
             <a:pPr lvl="1" algn="just" eaLnBrk="1" hangingPunct="1">
@@ -4525,7 +4505,6 @@
               <a:rPr sz="1710" dirty="0"/>
               <a:t>We think all inputs in one small set behave the same way in the program.</a:t>
             </a:r>
-            <a:endParaRPr sz="1710" dirty="0"/>
           </a:p>
           <a:p>
             <a:pPr lvl="1" algn="just" eaLnBrk="1" hangingPunct="1">
@@ -4540,7 +4519,6 @@
               <a:rPr sz="1710" dirty="0"/>
               <a:t>So, we pick just one input (a representative) from each set to test. If this test passes, we guess that all inputs in that set would also pass.</a:t>
             </a:r>
-            <a:endParaRPr sz="1710" dirty="0"/>
           </a:p>
           <a:p>
             <a:pPr algn="just" eaLnBrk="1" hangingPunct="1">
@@ -4555,7 +4533,6 @@
               <a:rPr sz="2000" dirty="0"/>
               <a:t>This doesn't mean we're 100% sure, but it's a good guess that saves a lot of time.</a:t>
             </a:r>
-            <a:endParaRPr sz="2000" dirty="0"/>
           </a:p>
           <a:p>
             <a:pPr algn="just" eaLnBrk="1" hangingPunct="1">
@@ -4570,7 +4547,6 @@
               <a:rPr sz="2000" dirty="0"/>
               <a:t>Testing like this lets us cover more ground with fewer tests.</a:t>
             </a:r>
-            <a:endParaRPr sz="2000" dirty="0"/>
           </a:p>
           <a:p>
             <a:pPr marL="0" indent="0" algn="just" eaLnBrk="1" hangingPunct="1">
@@ -4599,7 +4575,6 @@
               <a:rPr sz="2000" dirty="0"/>
               <a:t> test one, infer about many. This way, we can efficiently check if the software does what it should with different kinds of inputs.</a:t>
             </a:r>
-            <a:endParaRPr sz="2000" dirty="0"/>
           </a:p>
         </p:txBody>
       </p:sp>
@@ -4620,7 +4595,14 @@
         <p:cNvGrpSpPr/>
         <p:nvPr/>
       </p:nvGrpSpPr>
-      <p:grpSpPr/>
+      <p:grpSpPr>
+        <a:xfrm>
+          <a:off x="0" y="0"/>
+          <a:ext cx="0" cy="0"/>
+          <a:chOff x="0" y="0"/>
+          <a:chExt cx="0" cy="0"/>
+        </a:xfrm>
+      </p:grpSpPr>
       <p:sp>
         <p:nvSpPr>
           <p:cNvPr id="8194" name="Title 1"/>
@@ -4636,6 +4618,7 @@
           <a:bodyPr vert="horz" wrap="square" lIns="91440" tIns="45720" rIns="91440" bIns="45720" anchor="ctr" anchorCtr="0">
             <a:normAutofit/>
           </a:bodyPr>
+          <a:lstStyle/>
           <a:p>
             <a:pPr algn="ctr">
               <a:spcBef>
@@ -4650,7 +4633,6 @@
               <a:rPr lang="en-US" b="1" dirty="0"/>
               <a:t> ( Cont...)</a:t>
             </a:r>
-            <a:endParaRPr lang="en-US" b="1" dirty="0"/>
           </a:p>
         </p:txBody>
       </p:sp>
@@ -4674,6 +4656,7 @@
           <a:bodyPr vert="horz" wrap="square" lIns="91440" tIns="45720" rIns="91440" bIns="45720" anchor="t" anchorCtr="0">
             <a:noAutofit/>
           </a:bodyPr>
+          <a:lstStyle/>
           <a:p>
             <a:pPr lvl="0" algn="just">
               <a:buClrTx/>
@@ -4685,7 +4668,6 @@
               <a:rPr sz="2800" dirty="0"/>
               <a:t>This saves time because we don't test everything.</a:t>
             </a:r>
-            <a:endParaRPr sz="2800" dirty="0"/>
           </a:p>
           <a:p>
             <a:pPr lvl="0" algn="just">
@@ -4698,7 +4680,6 @@
               <a:rPr sz="2400" dirty="0"/>
               <a:t>Remember, this is a basic idea. It might not always be perfect, but it helps us start testing.</a:t>
             </a:r>
-            <a:endParaRPr sz="2400" dirty="0"/>
           </a:p>
           <a:p>
             <a:pPr lvl="0" algn="just">
@@ -4711,7 +4692,6 @@
               <a:rPr sz="2400" dirty="0"/>
               <a:t>If possible, try a few tests in each group to be sure, especially for things users do a lot.</a:t>
             </a:r>
-            <a:endParaRPr sz="2400" dirty="0"/>
           </a:p>
           <a:p>
             <a:pPr lvl="0" algn="just">
@@ -4724,7 +4704,6 @@
               <a:rPr sz="2400" dirty="0"/>
               <a:t>This method makes testing faster and helps us focus on what to test first.</a:t>
             </a:r>
-            <a:endParaRPr sz="2400" dirty="0"/>
           </a:p>
         </p:txBody>
       </p:sp>
@@ -4745,7 +4724,14 @@
         <p:cNvGrpSpPr/>
         <p:nvPr/>
       </p:nvGrpSpPr>
-      <p:grpSpPr/>
+      <p:grpSpPr>
+        <a:xfrm>
+          <a:off x="0" y="0"/>
+          <a:ext cx="0" cy="0"/>
+          <a:chOff x="0" y="0"/>
+          <a:chExt cx="0" cy="0"/>
+        </a:xfrm>
+      </p:grpSpPr>
       <p:sp>
         <p:nvSpPr>
           <p:cNvPr id="10242" name="Title 1"/>
@@ -4759,6 +4745,7 @@
         <p:spPr/>
         <p:txBody>
           <a:bodyPr vert="horz" wrap="square" lIns="91440" tIns="45720" rIns="91440" bIns="45720" anchor="ctr" anchorCtr="0"/>
+          <a:lstStyle/>
           <a:p>
             <a:pPr algn="ctr">
               <a:spcBef>
@@ -4773,7 +4760,6 @@
               <a:rPr lang="en-US" b="1" dirty="0"/>
               <a:t> (Cont...)</a:t>
             </a:r>
-            <a:endParaRPr lang="en-US" b="1" dirty="0"/>
           </a:p>
         </p:txBody>
       </p:sp>
@@ -4830,39 +4816,8 @@
                 <a:ea typeface="+mn-ea"/>
                 <a:cs typeface="+mn-cs"/>
               </a:rPr>
-              <a:t>Two steps are required to implementing this </a:t>
-            </a:r>
-            <a:r>
-              <a:rPr kumimoji="0" lang="en-US" sz="2000" b="0" i="0" u="none" strike="noStrike" kern="1200" cap="none" spc="0" normalizeH="0" baseline="0" noProof="0" dirty="0" smtClean="0">
-                <a:ln>
-                  <a:noFill/>
-                </a:ln>
-                <a:solidFill>
-                  <a:schemeClr val="tx1"/>
-                </a:solidFill>
-                <a:effectLst/>
-                <a:uLnTx/>
-                <a:uFillTx/>
-                <a:latin typeface="+mn-lt"/>
-                <a:ea typeface="+mn-ea"/>
-                <a:cs typeface="+mn-cs"/>
-              </a:rPr>
-              <a:t>method:</a:t>
-            </a:r>
-            <a:endParaRPr kumimoji="0" lang="en-US" sz="2000" b="0" i="0" u="none" strike="noStrike" kern="1200" cap="none" spc="0" normalizeH="0" baseline="0" noProof="0" dirty="0" smtClean="0">
-              <a:ln>
-                <a:noFill/>
-              </a:ln>
-              <a:solidFill>
-                <a:schemeClr val="tx1"/>
-              </a:solidFill>
-              <a:effectLst/>
-              <a:uLnTx/>
-              <a:uFillTx/>
-              <a:latin typeface="+mn-lt"/>
-              <a:ea typeface="+mn-ea"/>
-              <a:cs typeface="+mn-cs"/>
-            </a:endParaRPr>
+              <a:t>Two steps are required to implementing this method:</a:t>
+            </a:r>
           </a:p>
           <a:p>
             <a:pPr marL="457200" marR="0" lvl="0" indent="-457200" algn="just" defTabSz="914400" rtl="0" eaLnBrk="1" fontAlgn="base" latinLnBrk="0" hangingPunct="1">
@@ -4884,23 +4839,6 @@
               <a:defRPr/>
             </a:pPr>
             <a:r>
-              <a:rPr kumimoji="0" lang="en-US" sz="2000" b="0" i="0" u="none" strike="noStrike" kern="0" cap="none" spc="0" normalizeH="0" baseline="0" noProof="0" dirty="0" smtClean="0">
-                <a:ln>
-                  <a:noFill/>
-                </a:ln>
-                <a:solidFill>
-                  <a:schemeClr val="tx1"/>
-                </a:solidFill>
-                <a:effectLst/>
-                <a:uLnTx/>
-                <a:uFillTx/>
-                <a:latin typeface="+mn-lt"/>
-                <a:ea typeface="+mn-ea"/>
-                <a:cs typeface="+mn-cs"/>
-              </a:rPr>
-              <a:t>The </a:t>
-            </a:r>
-            <a:r>
               <a:rPr kumimoji="0" lang="en-US" sz="2000" b="0" i="0" u="none" strike="noStrike" kern="0" cap="none" spc="0" normalizeH="0" baseline="0" noProof="0" dirty="0">
                 <a:ln>
                   <a:noFill/>
@@ -4915,41 +4853,7 @@
                 <a:ea typeface="+mn-ea"/>
                 <a:cs typeface="+mn-cs"/>
               </a:rPr>
-              <a:t>equivalence classes are identified by taking each input condition and </a:t>
-            </a:r>
-            <a:r>
-              <a:rPr kumimoji="0" lang="en-US" sz="2000" b="0" i="0" u="none" strike="noStrike" kern="0" cap="none" spc="0" normalizeH="0" baseline="0" noProof="0" dirty="0" smtClean="0">
-                <a:ln>
-                  <a:noFill/>
-                </a:ln>
-                <a:solidFill>
-                  <a:schemeClr val="tx1"/>
-                </a:solidFill>
-                <a:effectLst/>
-                <a:uLnTx/>
-                <a:uFillTx/>
-                <a:latin typeface="+mn-lt"/>
-                <a:ea typeface="+mn-ea"/>
-                <a:cs typeface="+mn-cs"/>
-              </a:rPr>
-              <a:t>partitioning </a:t>
-            </a:r>
-            <a:r>
-              <a:rPr kumimoji="0" lang="en-US" sz="2000" b="0" i="0" u="none" strike="noStrike" kern="0" cap="none" spc="0" normalizeH="0" baseline="0" noProof="0" dirty="0">
-                <a:ln>
-                  <a:noFill/>
-                </a:ln>
-                <a:solidFill>
-                  <a:schemeClr val="tx1"/>
-                </a:solidFill>
-                <a:effectLst/>
-                <a:uLnTx/>
-                <a:uFillTx/>
-                <a:latin typeface="+mn-lt"/>
-                <a:ea typeface="+mn-ea"/>
-                <a:cs typeface="+mn-cs"/>
-              </a:rPr>
-              <a:t>it into </a:t>
+              <a:t>The equivalence classes are identified by taking each input condition and partitioning it into </a:t>
             </a:r>
             <a:r>
               <a:rPr kumimoji="0" lang="en-US" sz="2000" b="1" i="0" u="none" strike="noStrike" kern="0" cap="none" spc="0" normalizeH="0" baseline="0" noProof="0" dirty="0">
@@ -5019,20 +4923,6 @@
               </a:rPr>
               <a:t>classes. </a:t>
             </a:r>
-            <a:endParaRPr kumimoji="0" lang="en-US" sz="2000" b="0" i="0" u="none" strike="noStrike" kern="0" cap="none" spc="0" normalizeH="0" baseline="0" noProof="0" dirty="0">
-              <a:ln>
-                <a:noFill/>
-              </a:ln>
-              <a:solidFill>
-                <a:schemeClr val="tx1"/>
-              </a:solidFill>
-              <a:effectLst/>
-              <a:uLnTx/>
-              <a:uFillTx/>
-              <a:latin typeface="+mn-lt"/>
-              <a:ea typeface="+mn-ea"/>
-              <a:cs typeface="+mn-cs"/>
-            </a:endParaRPr>
           </a:p>
           <a:p>
             <a:pPr marR="0" lvl="1" algn="just" defTabSz="914400" rtl="0" eaLnBrk="1" fontAlgn="base" latinLnBrk="0" hangingPunct="1">
@@ -5070,20 +4960,6 @@
               </a:rPr>
               <a:t>For example:</a:t>
             </a:r>
-            <a:endParaRPr kumimoji="0" lang="en-US" sz="1710" b="0" i="0" u="none" strike="noStrike" kern="0" cap="none" spc="0" normalizeH="0" baseline="0" noProof="0" dirty="0">
-              <a:ln>
-                <a:noFill/>
-              </a:ln>
-              <a:solidFill>
-                <a:schemeClr val="tx1"/>
-              </a:solidFill>
-              <a:effectLst/>
-              <a:uLnTx/>
-              <a:uFillTx/>
-              <a:latin typeface="+mn-lt"/>
-              <a:ea typeface="+mn-ea"/>
-              <a:cs typeface="+mn-cs"/>
-            </a:endParaRPr>
           </a:p>
           <a:p>
             <a:pPr marR="0" lvl="2" algn="just" defTabSz="914400" rtl="0" eaLnBrk="1" fontAlgn="base" latinLnBrk="0" hangingPunct="1">
@@ -5119,75 +4995,7 @@
                 <a:ea typeface="+mn-ea"/>
                 <a:cs typeface="+mn-cs"/>
               </a:rPr>
-              <a:t>if an input </a:t>
-            </a:r>
-            <a:r>
-              <a:rPr kumimoji="0" lang="en-US" sz="1800" b="0" i="0" u="none" strike="noStrike" kern="0" cap="none" spc="0" normalizeH="0" baseline="0" noProof="0" dirty="0" smtClean="0">
-                <a:ln>
-                  <a:noFill/>
-                </a:ln>
-                <a:solidFill>
-                  <a:schemeClr val="tx1"/>
-                </a:solidFill>
-                <a:effectLst/>
-                <a:uLnTx/>
-                <a:uFillTx/>
-                <a:latin typeface="+mn-lt"/>
-                <a:ea typeface="+mn-ea"/>
-                <a:cs typeface="+mn-cs"/>
-              </a:rPr>
-              <a:t>condition </a:t>
-            </a:r>
-            <a:r>
-              <a:rPr kumimoji="0" lang="en-US" sz="1800" b="0" i="0" u="none" strike="noStrike" kern="0" cap="none" spc="0" normalizeH="0" baseline="0" noProof="0" dirty="0">
-                <a:ln>
-                  <a:noFill/>
-                </a:ln>
-                <a:solidFill>
-                  <a:schemeClr val="tx1"/>
-                </a:solidFill>
-                <a:effectLst/>
-                <a:uLnTx/>
-                <a:uFillTx/>
-                <a:latin typeface="+mn-lt"/>
-                <a:ea typeface="+mn-ea"/>
-                <a:cs typeface="+mn-cs"/>
-              </a:rPr>
-              <a:t>specifies a range of values from 1 to 999, we  identify one valid </a:t>
-            </a:r>
-            <a:r>
-              <a:rPr kumimoji="0" lang="en-US" sz="1800" b="0" i="0" u="none" strike="noStrike" kern="0" cap="none" spc="0" normalizeH="0" baseline="0" noProof="0" dirty="0" smtClean="0">
-                <a:ln>
-                  <a:noFill/>
-                </a:ln>
-                <a:solidFill>
-                  <a:schemeClr val="tx1"/>
-                </a:solidFill>
-                <a:effectLst/>
-                <a:uLnTx/>
-                <a:uFillTx/>
-                <a:latin typeface="+mn-lt"/>
-                <a:ea typeface="+mn-ea"/>
-                <a:cs typeface="+mn-cs"/>
-              </a:rPr>
-              <a:t>equivalence </a:t>
-            </a:r>
-            <a:r>
-              <a:rPr kumimoji="0" lang="en-US" sz="1800" b="0" i="0" u="none" strike="noStrike" kern="0" cap="none" spc="0" normalizeH="0" baseline="0" noProof="0" dirty="0">
-                <a:ln>
-                  <a:noFill/>
-                </a:ln>
-                <a:solidFill>
-                  <a:schemeClr val="tx1"/>
-                </a:solidFill>
-                <a:effectLst/>
-                <a:uLnTx/>
-                <a:uFillTx/>
-                <a:latin typeface="+mn-lt"/>
-                <a:ea typeface="+mn-ea"/>
-                <a:cs typeface="+mn-cs"/>
-              </a:rPr>
-              <a:t>class </a:t>
+              <a:t>if an input condition specifies a range of values from 1 to 999, we  identify one valid equivalence class </a:t>
             </a:r>
             <a:r>
               <a:rPr kumimoji="0" lang="en-US" sz="1800" b="0" i="0" u="none" strike="noStrike" kern="0" cap="none" spc="0" normalizeH="0" baseline="0" noProof="0" dirty="0">
@@ -5224,23 +5032,6 @@
               <a:t>; and two invalid equivalence classes </a:t>
             </a:r>
             <a:r>
-              <a:rPr kumimoji="0" lang="en-US" sz="1800" b="0" i="0" u="none" strike="noStrike" kern="0" cap="none" spc="0" normalizeH="0" baseline="0" noProof="0" dirty="0" smtClean="0">
-                <a:ln>
-                  <a:noFill/>
-                </a:ln>
-                <a:solidFill>
-                  <a:srgbClr val="FF0000"/>
-                </a:solidFill>
-                <a:effectLst/>
-                <a:uLnTx/>
-                <a:uFillTx/>
-                <a:latin typeface="+mn-lt"/>
-                <a:ea typeface="+mn-ea"/>
-                <a:cs typeface="+mn-cs"/>
-              </a:rPr>
-              <a:t>[</a:t>
-            </a:r>
-            <a:r>
               <a:rPr kumimoji="0" lang="en-US" sz="1800" b="0" i="0" u="none" strike="noStrike" kern="0" cap="none" spc="0" normalizeH="0" baseline="0" noProof="0" dirty="0">
                 <a:ln>
                   <a:noFill/>
@@ -5255,7 +5046,7 @@
                 <a:ea typeface="+mn-ea"/>
                 <a:cs typeface="+mn-cs"/>
               </a:rPr>
-              <a:t>item&lt;1]</a:t>
+              <a:t>[item&lt;1]</a:t>
             </a:r>
             <a:r>
               <a:rPr kumimoji="0" lang="en-US" sz="1800" b="0" i="0" u="none" strike="noStrike" kern="0" cap="none" spc="0" normalizeH="0" baseline="0" noProof="0" dirty="0">
@@ -5289,26 +5080,9 @@
                 <a:ea typeface="+mn-ea"/>
                 <a:cs typeface="+mn-cs"/>
               </a:rPr>
-              <a:t>[item&gt;999</a:t>
-            </a:r>
-            <a:r>
-              <a:rPr kumimoji="0" lang="en-US" sz="1800" b="0" i="0" u="none" strike="noStrike" kern="0" cap="none" spc="0" normalizeH="0" baseline="0" noProof="0" dirty="0" smtClean="0">
-                <a:ln>
-                  <a:noFill/>
-                </a:ln>
-                <a:solidFill>
-                  <a:srgbClr val="FF0000"/>
-                </a:solidFill>
-                <a:effectLst/>
-                <a:uLnTx/>
-                <a:uFillTx/>
-                <a:latin typeface="+mn-lt"/>
-                <a:ea typeface="+mn-ea"/>
-                <a:cs typeface="+mn-cs"/>
-              </a:rPr>
-              <a:t>]</a:t>
-            </a:r>
-            <a:endParaRPr kumimoji="0" lang="en-US" sz="1800" b="0" i="0" u="none" strike="noStrike" kern="0" cap="none" spc="0" normalizeH="0" baseline="0" noProof="0" dirty="0" smtClean="0">
+              <a:t>[item&gt;999]</a:t>
+            </a:r>
+            <a:endParaRPr kumimoji="0" lang="en-US" sz="1800" b="0" i="0" u="none" strike="noStrike" kern="0" cap="none" spc="0" normalizeH="0" baseline="0" noProof="0" dirty="0">
               <a:ln>
                 <a:noFill/>
               </a:ln>
@@ -5342,7 +5116,7 @@
               <a:buAutoNum type="arabicPeriod"/>
               <a:defRPr/>
             </a:pPr>
-            <a:endParaRPr kumimoji="0" lang="en-US" sz="2000" b="0" i="0" u="none" strike="noStrike" kern="0" cap="none" spc="0" normalizeH="0" baseline="0" noProof="0" dirty="0" smtClean="0">
+            <a:endParaRPr kumimoji="0" lang="en-US" sz="2000" b="0" i="0" u="none" strike="noStrike" kern="0" cap="none" spc="0" normalizeH="0" baseline="0" noProof="0" dirty="0">
               <a:ln>
                 <a:noFill/>
               </a:ln>
@@ -5391,90 +5165,8 @@
                 <a:ea typeface="+mn-ea"/>
                 <a:cs typeface="+mn-cs"/>
               </a:rPr>
-              <a:t>Generate the test cases using the equivalence classes identified in the </a:t>
-            </a:r>
-            <a:r>
-              <a:rPr kumimoji="0" lang="en-US" sz="2000" b="0" i="0" u="none" strike="noStrike" kern="0" cap="none" spc="0" normalizeH="0" baseline="0" noProof="0" dirty="0" smtClean="0">
-                <a:ln>
-                  <a:noFill/>
-                </a:ln>
-                <a:solidFill>
-                  <a:schemeClr val="tx1"/>
-                </a:solidFill>
-                <a:effectLst/>
-                <a:uLnTx/>
-                <a:uFillTx/>
-                <a:latin typeface="+mn-lt"/>
-                <a:ea typeface="+mn-ea"/>
-                <a:cs typeface="+mn-cs"/>
-              </a:rPr>
-              <a:t>previous </a:t>
-            </a:r>
-            <a:r>
-              <a:rPr kumimoji="0" lang="en-US" sz="2000" b="0" i="0" u="none" strike="noStrike" kern="0" cap="none" spc="0" normalizeH="0" baseline="0" noProof="0" dirty="0">
-                <a:ln>
-                  <a:noFill/>
-                </a:ln>
-                <a:solidFill>
-                  <a:schemeClr val="tx1"/>
-                </a:solidFill>
-                <a:effectLst/>
-                <a:uLnTx/>
-                <a:uFillTx/>
-                <a:latin typeface="+mn-lt"/>
-                <a:ea typeface="+mn-ea"/>
-                <a:cs typeface="+mn-cs"/>
-              </a:rPr>
-              <a:t>step. This is performed by writing test cases covering all the valid </a:t>
-            </a:r>
-            <a:r>
-              <a:rPr kumimoji="0" lang="en-US" sz="2000" b="0" i="0" u="none" strike="noStrike" kern="0" cap="none" spc="0" normalizeH="0" baseline="0" noProof="0" dirty="0" smtClean="0">
-                <a:ln>
-                  <a:noFill/>
-                </a:ln>
-                <a:solidFill>
-                  <a:schemeClr val="tx1"/>
-                </a:solidFill>
-                <a:effectLst/>
-                <a:uLnTx/>
-                <a:uFillTx/>
-                <a:latin typeface="+mn-lt"/>
-                <a:ea typeface="+mn-ea"/>
-                <a:cs typeface="+mn-cs"/>
-              </a:rPr>
-              <a:t>equivalence </a:t>
-            </a:r>
-            <a:r>
-              <a:rPr kumimoji="0" lang="en-US" sz="2000" b="0" i="0" u="none" strike="noStrike" kern="0" cap="none" spc="0" normalizeH="0" baseline="0" noProof="0" dirty="0">
-                <a:ln>
-                  <a:noFill/>
-                </a:ln>
-                <a:solidFill>
-                  <a:schemeClr val="tx1"/>
-                </a:solidFill>
-                <a:effectLst/>
-                <a:uLnTx/>
-                <a:uFillTx/>
-                <a:latin typeface="+mn-lt"/>
-                <a:ea typeface="+mn-ea"/>
-                <a:cs typeface="+mn-cs"/>
-              </a:rPr>
-              <a:t>classes. </a:t>
-            </a:r>
-            <a:endParaRPr kumimoji="0" lang="en-US" sz="2000" b="0" i="0" u="none" strike="noStrike" kern="0" cap="none" spc="0" normalizeH="0" baseline="0" noProof="0" dirty="0">
-              <a:ln>
-                <a:noFill/>
-              </a:ln>
-              <a:solidFill>
-                <a:schemeClr val="tx1"/>
-              </a:solidFill>
-              <a:effectLst/>
-              <a:uLnTx/>
-              <a:uFillTx/>
-              <a:latin typeface="+mn-lt"/>
-              <a:ea typeface="+mn-ea"/>
-              <a:cs typeface="+mn-cs"/>
-            </a:endParaRPr>
+              <a:t>Generate the test cases using the equivalence classes identified in the previous step. This is performed by writing test cases covering all the valid equivalence classes. </a:t>
+            </a:r>
           </a:p>
           <a:p>
             <a:pPr marR="0" lvl="1" algn="just" defTabSz="914400" rtl="0" eaLnBrk="1" fontAlgn="base" latinLnBrk="0" hangingPunct="1">
@@ -5510,75 +5202,7 @@
                 <a:ea typeface="+mn-ea"/>
                 <a:cs typeface="+mn-cs"/>
               </a:rPr>
-              <a:t>Then a test case is written for each invalid equivalence </a:t>
-            </a:r>
-            <a:r>
-              <a:rPr kumimoji="0" lang="en-US" sz="1710" b="0" i="0" u="none" strike="noStrike" kern="0" cap="none" spc="0" normalizeH="0" baseline="0" noProof="0" dirty="0" smtClean="0">
-                <a:ln>
-                  <a:noFill/>
-                </a:ln>
-                <a:solidFill>
-                  <a:schemeClr val="tx1"/>
-                </a:solidFill>
-                <a:effectLst/>
-                <a:uLnTx/>
-                <a:uFillTx/>
-                <a:latin typeface="+mn-lt"/>
-                <a:ea typeface="+mn-ea"/>
-                <a:cs typeface="+mn-cs"/>
-              </a:rPr>
-              <a:t>class </a:t>
-            </a:r>
-            <a:r>
-              <a:rPr kumimoji="0" lang="en-US" sz="1710" b="0" i="0" u="none" strike="noStrike" kern="0" cap="none" spc="0" normalizeH="0" baseline="0" noProof="0" dirty="0">
-                <a:ln>
-                  <a:noFill/>
-                </a:ln>
-                <a:solidFill>
-                  <a:schemeClr val="tx1"/>
-                </a:solidFill>
-                <a:effectLst/>
-                <a:uLnTx/>
-                <a:uFillTx/>
-                <a:latin typeface="+mn-lt"/>
-                <a:ea typeface="+mn-ea"/>
-                <a:cs typeface="+mn-cs"/>
-              </a:rPr>
-              <a:t>so that no test contains more than one invalid class. This is to ensure </a:t>
-            </a:r>
-            <a:r>
-              <a:rPr kumimoji="0" lang="en-US" sz="1710" b="0" i="0" u="none" strike="noStrike" kern="0" cap="none" spc="0" normalizeH="0" baseline="0" noProof="0" dirty="0" smtClean="0">
-                <a:ln>
-                  <a:noFill/>
-                </a:ln>
-                <a:solidFill>
-                  <a:schemeClr val="tx1"/>
-                </a:solidFill>
-                <a:effectLst/>
-                <a:uLnTx/>
-                <a:uFillTx/>
-                <a:latin typeface="+mn-lt"/>
-                <a:ea typeface="+mn-ea"/>
-                <a:cs typeface="+mn-cs"/>
-              </a:rPr>
-              <a:t>that </a:t>
-            </a:r>
-            <a:r>
-              <a:rPr kumimoji="0" lang="en-US" sz="1710" b="0" i="0" u="none" strike="noStrike" kern="0" cap="none" spc="0" normalizeH="0" baseline="0" noProof="0" dirty="0">
-                <a:ln>
-                  <a:noFill/>
-                </a:ln>
-                <a:solidFill>
-                  <a:schemeClr val="tx1"/>
-                </a:solidFill>
-                <a:effectLst/>
-                <a:uLnTx/>
-                <a:uFillTx/>
-                <a:latin typeface="+mn-lt"/>
-                <a:ea typeface="+mn-ea"/>
-                <a:cs typeface="+mn-cs"/>
-              </a:rPr>
-              <a:t>no two invalid classes mask each other.</a:t>
+              <a:t>Then a test case is written for each invalid equivalence class so that no test contains more than one invalid class. This is to ensure that no two invalid classes mask each other.</a:t>
             </a:r>
             <a:endParaRPr kumimoji="0" lang="en-GB" sz="1710" b="0" i="0" u="none" strike="noStrike" kern="0" cap="none" spc="0" normalizeH="0" baseline="0" noProof="0" dirty="0">
               <a:ln>
@@ -5614,7 +5238,14 @@
         <p:cNvGrpSpPr/>
         <p:nvPr/>
       </p:nvGrpSpPr>
-      <p:grpSpPr/>
+      <p:grpSpPr>
+        <a:xfrm>
+          <a:off x="0" y="0"/>
+          <a:ext cx="0" cy="0"/>
+          <a:chOff x="0" y="0"/>
+          <a:chExt cx="0" cy="0"/>
+        </a:xfrm>
+      </p:grpSpPr>
       <p:sp>
         <p:nvSpPr>
           <p:cNvPr id="11266" name="Title 1"/>
@@ -5628,6 +5259,7 @@
         <p:spPr/>
         <p:txBody>
           <a:bodyPr vert="horz" wrap="square" lIns="91440" tIns="45720" rIns="91440" bIns="45720" anchor="ctr" anchorCtr="0"/>
+          <a:lstStyle/>
           <a:p>
             <a:pPr algn="ctr">
               <a:spcBef>
@@ -5638,7 +5270,6 @@
               <a:rPr b="1" dirty="0"/>
               <a:t>Equivalence Partitioning</a:t>
             </a:r>
-            <a:endParaRPr b="1" dirty="0"/>
           </a:p>
         </p:txBody>
       </p:sp>
@@ -5651,7 +5282,7 @@
           <p:nvPr/>
         </p:nvPicPr>
         <p:blipFill>
-          <a:blip r:embed="rId1"/>
+          <a:blip r:embed="rId2"/>
           <a:srcRect b="46990"/>
           <a:stretch>
             <a:fillRect/>
@@ -5691,13 +5322,13 @@
           <a:bodyPr wrap="square" rtlCol="0">
             <a:spAutoFit/>
           </a:bodyPr>
+          <a:lstStyle/>
           <a:p>
             <a:pPr algn="ctr"/>
             <a:r>
               <a:rPr lang="en-US" i="1"/>
               <a:t>Fig : Equivalence partitioning</a:t>
             </a:r>
-            <a:endParaRPr lang="en-US" i="1"/>
           </a:p>
           <a:p>
             <a:endParaRPr lang="en-US" sz="2000"/>
@@ -5707,7 +5338,6 @@
               <a:rPr lang="en-US" sz="2000"/>
               <a:t>Most of the time, equivalence class testing defines classes of the input domain. However, equivalence classes should also be defined for output domain. Hence, we should design equivalence classes based on input and output domain. </a:t>
             </a:r>
-            <a:endParaRPr lang="en-US" sz="2000"/>
           </a:p>
         </p:txBody>
       </p:sp>
@@ -5728,7 +5358,14 @@
         <p:cNvGrpSpPr/>
         <p:nvPr/>
       </p:nvGrpSpPr>
-      <p:grpSpPr/>
+      <p:grpSpPr>
+        <a:xfrm>
+          <a:off x="0" y="0"/>
+          <a:ext cx="0" cy="0"/>
+          <a:chOff x="0" y="0"/>
+          <a:chExt cx="0" cy="0"/>
+        </a:xfrm>
+      </p:grpSpPr>
       <p:sp>
         <p:nvSpPr>
           <p:cNvPr id="2" name="Title 1"/>
@@ -5742,13 +5379,13 @@
         <p:spPr/>
         <p:txBody>
           <a:bodyPr/>
+          <a:lstStyle/>
           <a:p>
             <a:pPr algn="ctr"/>
             <a:r>
               <a:rPr lang="en-US" b="1"/>
               <a:t>Example 3.1</a:t>
             </a:r>
-            <a:endParaRPr lang="en-US" b="1"/>
           </a:p>
         </p:txBody>
       </p:sp>
@@ -5765,6 +5402,7 @@
         <p:spPr/>
         <p:txBody>
           <a:bodyPr/>
+          <a:lstStyle/>
           <a:p>
             <a:pPr marL="0" indent="0">
               <a:buNone/>
@@ -5797,7 +5435,6 @@
               <a:rPr lang="en-US" sz="2200"/>
               <a:t>. The program output may have one of the following words.</a:t>
             </a:r>
-            <a:endParaRPr lang="en-US" sz="2200"/>
           </a:p>
           <a:p>
             <a:pPr marL="0" indent="0">
@@ -5855,7 +5492,6 @@
               <a:rPr lang="en-US" sz="2200"/>
               <a:t>]</a:t>
             </a:r>
-            <a:endParaRPr lang="en-US" sz="2200"/>
           </a:p>
           <a:p>
             <a:pPr marL="0" indent="0">
@@ -5865,7 +5501,6 @@
               <a:rPr lang="en-US" sz="2200"/>
               <a:t>Identify the equivalence class test cases for output and input domains.</a:t>
             </a:r>
-            <a:endParaRPr lang="en-US" sz="2200"/>
           </a:p>
         </p:txBody>
       </p:sp>
@@ -5886,7 +5521,14 @@
         <p:cNvGrpSpPr/>
         <p:nvPr/>
       </p:nvGrpSpPr>
-      <p:grpSpPr/>
+      <p:grpSpPr>
+        <a:xfrm>
+          <a:off x="0" y="0"/>
+          <a:ext cx="0" cy="0"/>
+          <a:chOff x="0" y="0"/>
+          <a:chExt cx="0" cy="0"/>
+        </a:xfrm>
+      </p:grpSpPr>
       <p:sp>
         <p:nvSpPr>
           <p:cNvPr id="2" name="Title 1"/>
@@ -5900,13 +5542,13 @@
         <p:spPr/>
         <p:txBody>
           <a:bodyPr/>
+          <a:lstStyle/>
           <a:p>
             <a:pPr algn="ctr"/>
             <a:r>
               <a:rPr lang="en-US" b="1"/>
               <a:t>Solution</a:t>
             </a:r>
-            <a:endParaRPr lang="en-US" b="1"/>
           </a:p>
         </p:txBody>
       </p:sp>
@@ -5928,6 +5570,7 @@
         </p:spPr>
         <p:txBody>
           <a:bodyPr/>
+          <a:lstStyle/>
           <a:p>
             <a:pPr marL="0" indent="0">
               <a:buNone/>
@@ -5940,7 +5583,6 @@
               <a:rPr lang="en-US" sz="2400"/>
               <a:t> equivalence class test cases can be identified as follows:</a:t>
             </a:r>
-            <a:endParaRPr lang="en-US" sz="2400"/>
           </a:p>
           <a:p>
             <a:pPr marL="457200" lvl="1" indent="0">
@@ -5950,7 +5592,6 @@
               <a:rPr lang="en-US" sz="1800"/>
               <a:t>O1={&lt;a,b,c&gt;:Not a quadratic equation if a = 0}</a:t>
             </a:r>
-            <a:endParaRPr lang="en-US" sz="1800"/>
           </a:p>
           <a:p>
             <a:pPr marL="457200" lvl="1" indent="0">
@@ -5968,7 +5609,6 @@
               <a:rPr lang="en-US" sz="1800"/>
               <a:t>-4ac)&gt;0}</a:t>
             </a:r>
-            <a:endParaRPr lang="en-US" sz="1800"/>
           </a:p>
           <a:p>
             <a:pPr marL="457200" lvl="1" indent="0">
@@ -5986,7 +5626,6 @@
               <a:rPr lang="en-US" sz="1800"/>
               <a:t>-4ac)&lt;0}</a:t>
             </a:r>
-            <a:endParaRPr lang="en-US" sz="1800"/>
           </a:p>
           <a:p>
             <a:pPr marL="457200" lvl="1" indent="0">
@@ -6004,7 +5643,6 @@
               <a:rPr lang="en-US" sz="1800"/>
               <a:t>-4ac)=0}`</a:t>
             </a:r>
-            <a:endParaRPr lang="en-US" sz="1800"/>
           </a:p>
           <a:p>
             <a:pPr marL="0" indent="0">
@@ -6014,7 +5652,6 @@
               <a:rPr lang="en-US" sz="2400"/>
               <a:t>The number of test cases can be derived form above relations and shown below:</a:t>
             </a:r>
-            <a:endParaRPr lang="en-US" sz="2400"/>
           </a:p>
         </p:txBody>
       </p:sp>
@@ -6027,7 +5664,7 @@
           <p:nvPr/>
         </p:nvPicPr>
         <p:blipFill>
-          <a:blip r:embed="rId1"/>
+          <a:blip r:embed="rId2"/>
           <a:stretch>
             <a:fillRect/>
           </a:stretch>
@@ -6059,7 +5696,14 @@
         <p:cNvGrpSpPr/>
         <p:nvPr/>
       </p:nvGrpSpPr>
-      <p:grpSpPr/>
+      <p:grpSpPr>
+        <a:xfrm>
+          <a:off x="0" y="0"/>
+          <a:ext cx="0" cy="0"/>
+          <a:chOff x="0" y="0"/>
+          <a:chExt cx="0" cy="0"/>
+        </a:xfrm>
+      </p:grpSpPr>
       <p:sp>
         <p:nvSpPr>
           <p:cNvPr id="2" name="Title 1"/>
@@ -6073,13 +5717,17 @@
         <p:spPr/>
         <p:txBody>
           <a:bodyPr/>
+          <a:lstStyle/>
           <a:p>
             <a:pPr algn="ctr"/>
             <a:r>
-              <a:rPr lang="en-US"/>
-              <a:t>Cont ...</a:t>
-            </a:r>
-            <a:endParaRPr lang="en-US"/>
+              <a:rPr lang="en-US" b="1" dirty="0" err="1"/>
+              <a:t>Cont</a:t>
+            </a:r>
+            <a:r>
+              <a:rPr lang="en-US" b="1" dirty="0"/>
+              <a:t> ...</a:t>
+            </a:r>
           </a:p>
         </p:txBody>
       </p:sp>
@@ -6096,6 +5744,7 @@
         <p:spPr/>
         <p:txBody>
           <a:bodyPr/>
+          <a:lstStyle/>
           <a:p>
             <a:pPr marL="0" indent="0">
               <a:buNone/>
@@ -6112,7 +5761,6 @@
               <a:rPr lang="en-US" sz="2200"/>
               <a:t>.</a:t>
             </a:r>
-            <a:endParaRPr lang="en-US" sz="2200"/>
           </a:p>
           <a:p>
             <a:pPr marL="457200" lvl="1" indent="0">
@@ -6122,7 +5770,6 @@
               <a:rPr lang="en-US" sz="2200"/>
               <a:t>I1= {a: a = 0}</a:t>
             </a:r>
-            <a:endParaRPr lang="en-US" sz="2200"/>
           </a:p>
           <a:p>
             <a:pPr marL="457200" lvl="1" indent="0">
@@ -6132,7 +5779,6 @@
               <a:rPr lang="en-US" sz="2200"/>
               <a:t>I2= {a: a &lt; 0}</a:t>
             </a:r>
-            <a:endParaRPr lang="en-US" sz="2200"/>
           </a:p>
           <a:p>
             <a:pPr marL="457200" lvl="1" indent="0">
@@ -6142,7 +5788,6 @@
               <a:rPr lang="en-US" sz="2200"/>
               <a:t>I3= {a: 1 ≤ a ≤ 100}</a:t>
             </a:r>
-            <a:endParaRPr lang="en-US" sz="2200"/>
           </a:p>
           <a:p>
             <a:pPr marL="457200" lvl="1" indent="0">
@@ -6152,7 +5797,6 @@
               <a:rPr lang="en-US" sz="2200"/>
               <a:t>I4= {a: a &gt; 100}</a:t>
             </a:r>
-            <a:endParaRPr lang="en-US" sz="2200"/>
           </a:p>
           <a:p>
             <a:pPr marL="457200" lvl="1" indent="0">
@@ -6162,7 +5806,6 @@
               <a:rPr lang="en-US" sz="2200"/>
               <a:t>I5= {b: 0 ≤ b ≤ 100}</a:t>
             </a:r>
-            <a:endParaRPr lang="en-US" sz="2200"/>
           </a:p>
           <a:p>
             <a:pPr marL="457200" lvl="1" indent="0">
@@ -6172,7 +5815,6 @@
               <a:rPr lang="en-US" sz="2200"/>
               <a:t>I6= {b: b &lt; 0}</a:t>
             </a:r>
-            <a:endParaRPr lang="en-US" sz="2200"/>
           </a:p>
           <a:p>
             <a:pPr marL="457200" lvl="1" indent="0">
@@ -6182,7 +5824,6 @@
               <a:rPr lang="en-US" sz="2200"/>
               <a:t>I7= {b: b &gt; 100}</a:t>
             </a:r>
-            <a:endParaRPr lang="en-US" sz="2200"/>
           </a:p>
           <a:p>
             <a:pPr marL="457200" lvl="1" indent="0">
@@ -6192,7 +5833,6 @@
               <a:rPr lang="en-US" sz="2200"/>
               <a:t>I8= {c: 0 ≤ c ≤ 100}</a:t>
             </a:r>
-            <a:endParaRPr lang="en-US" sz="2200"/>
           </a:p>
           <a:p>
             <a:pPr marL="457200" lvl="1" indent="0">
@@ -6202,7 +5842,6 @@
               <a:rPr lang="en-US" sz="2200"/>
               <a:t>I9= {c: c &lt; 0}</a:t>
             </a:r>
-            <a:endParaRPr lang="en-US" sz="2200"/>
           </a:p>
           <a:p>
             <a:pPr marL="457200" lvl="1" indent="0">
@@ -6212,7 +5851,6 @@
               <a:rPr lang="en-US" sz="2200"/>
               <a:t>I10={c: c &gt; 100}</a:t>
             </a:r>
-            <a:endParaRPr lang="en-US" sz="2200"/>
           </a:p>
         </p:txBody>
       </p:sp>
@@ -6475,6 +6113,8 @@
       </a:bgFillStyleLst>
     </a:fmtScheme>
   </a:themeElements>
+  <a:objectDefaults/>
+  <a:extraClrSchemeLst/>
   <a:extLst>
     <a:ext uri="{05A4C25C-085E-4340-85A3-A5531E510DB2}">
       <thm15:themeFamily xmlns:thm15="http://schemas.microsoft.com/office/thememl/2012/main" name="Office Theme" id="{62F939B6-93AF-4DB8-9C6B-D6C7DFDC589F}" vid="{4A3C46E8-61CC-4603-A589-7422A47A8E4A}"/>
